--- a/ppt/01_React01_Component.pptx
+++ b/ppt/01_React01_Component.pptx
@@ -6,10 +6,10 @@
     <p:sldMasterId id="2147484675" r:id="rId2"/>
   </p:sldMasterIdLst>
   <p:notesMasterIdLst>
-    <p:notesMasterId r:id="rId14"/>
+    <p:notesMasterId r:id="rId17"/>
   </p:notesMasterIdLst>
   <p:handoutMasterIdLst>
-    <p:handoutMasterId r:id="rId15"/>
+    <p:handoutMasterId r:id="rId18"/>
   </p:handoutMasterIdLst>
   <p:sldIdLst>
     <p:sldId id="1008" r:id="rId3"/>
@@ -23,37 +23,40 @@
     <p:sldId id="1050" r:id="rId11"/>
     <p:sldId id="1045" r:id="rId12"/>
     <p:sldId id="1046" r:id="rId13"/>
+    <p:sldId id="1051" r:id="rId14"/>
+    <p:sldId id="1052" r:id="rId15"/>
+    <p:sldId id="1053" r:id="rId16"/>
   </p:sldIdLst>
   <p:sldSz cx="9144000" cy="6858000" type="screen4x3"/>
   <p:notesSz cx="6807200" cy="9939338"/>
   <p:embeddedFontLst>
     <p:embeddedFont>
+      <p:font typeface="GothicG" panose="020B0600000101010101" charset="0"/>
+      <p:regular r:id="rId19"/>
+    </p:embeddedFont>
+    <p:embeddedFont>
       <p:font typeface="맑은 고딕" panose="020B0503020000020004" pitchFamily="50" charset="-127"/>
-      <p:regular r:id="rId16"/>
-      <p:bold r:id="rId17"/>
+      <p:regular r:id="rId20"/>
+      <p:bold r:id="rId21"/>
     </p:embeddedFont>
     <p:embeddedFont>
       <p:font typeface="Matura MT Script Capitals" panose="03020802060602070202" pitchFamily="66" charset="0"/>
-      <p:regular r:id="rId18"/>
+      <p:regular r:id="rId22"/>
     </p:embeddedFont>
     <p:embeddedFont>
       <p:font typeface="Wingdings 2" panose="05020102010507070707" pitchFamily="18" charset="2"/>
-      <p:regular r:id="rId19"/>
+      <p:regular r:id="rId23"/>
+    </p:embeddedFont>
+    <p:embeddedFont>
+      <p:font typeface="Meiryo" panose="020B0600000101010101" charset="-128"/>
+      <p:regular r:id="rId24"/>
+      <p:bold r:id="rId25"/>
+      <p:italic r:id="rId26"/>
+      <p:boldItalic r:id="rId27"/>
     </p:embeddedFont>
     <p:embeddedFont>
       <p:font typeface="휴먼모음T" panose="02030504000101010101" pitchFamily="18" charset="-127"/>
-      <p:regular r:id="rId20"/>
-    </p:embeddedFont>
-    <p:embeddedFont>
-      <p:font typeface="Meiryo" panose="020B0600000101010101" charset="-128"/>
-      <p:regular r:id="rId21"/>
-      <p:bold r:id="rId22"/>
-      <p:italic r:id="rId23"/>
-      <p:boldItalic r:id="rId24"/>
-    </p:embeddedFont>
-    <p:embeddedFont>
-      <p:font typeface="GothicG" panose="020B0600000101010101" charset="0"/>
-      <p:regular r:id="rId25"/>
+      <p:regular r:id="rId28"/>
     </p:embeddedFont>
   </p:embeddedFontLst>
   <p:defaultTextStyle>
@@ -312,7 +315,7 @@
               <a:pPr>
                 <a:defRPr/>
               </a:pPr>
-              <a:t>2023-08-03</a:t>
+              <a:t>2023-08-07</a:t>
             </a:fld>
             <a:endParaRPr lang="ko-KR" altLang="en-US"/>
           </a:p>
@@ -527,7 +530,7 @@
               <a:pPr>
                 <a:defRPr/>
               </a:pPr>
-              <a:t>2023-08-03</a:t>
+              <a:t>2023-08-07</a:t>
             </a:fld>
             <a:endParaRPr lang="ko-KR" altLang="en-US"/>
           </a:p>
@@ -1212,7 +1215,7 @@
               <a:pPr>
                 <a:defRPr/>
               </a:pPr>
-              <a:t>2023-08-03</a:t>
+              <a:t>2023-08-07</a:t>
             </a:fld>
             <a:endParaRPr lang="ko-KR" altLang="en-US"/>
           </a:p>
@@ -1532,7 +1535,7 @@
               <a:pPr>
                 <a:defRPr/>
               </a:pPr>
-              <a:t>2023-08-03</a:t>
+              <a:t>2023-08-07</a:t>
             </a:fld>
             <a:endParaRPr lang="ko-KR" altLang="en-US"/>
           </a:p>
@@ -2189,7 +2192,7 @@
               <a:pPr>
                 <a:defRPr/>
               </a:pPr>
-              <a:t>2023-08-03</a:t>
+              <a:t>2023-08-07</a:t>
             </a:fld>
             <a:endParaRPr lang="ko-KR" altLang="en-US"/>
           </a:p>
@@ -3183,7 +3186,7 @@
               <a:pPr>
                 <a:defRPr/>
               </a:pPr>
-              <a:t>2023-08-03</a:t>
+              <a:t>2023-08-07</a:t>
             </a:fld>
             <a:endParaRPr lang="ko-KR" altLang="en-US"/>
           </a:p>
@@ -4514,7 +4517,7 @@
               <a:pPr>
                 <a:defRPr/>
               </a:pPr>
-              <a:t>2023-08-03</a:t>
+              <a:t>2023-08-07</a:t>
             </a:fld>
             <a:endParaRPr lang="ko-KR" altLang="en-US"/>
           </a:p>
@@ -4862,7 +4865,7 @@
                 <a:tabLst/>
                 <a:defRPr/>
               </a:pPr>
-              <a:t>2023-08-03</a:t>
+              <a:t>2023-08-07</a:t>
             </a:fld>
             <a:endParaRPr kumimoji="0" lang="ko-KR" altLang="en-US" sz="1200" b="0" i="0" u="none" strike="noStrike" kern="1200" cap="none" spc="0" normalizeH="0" baseline="0" noProof="0">
               <a:ln>
@@ -5192,7 +5195,7 @@
                 <a:tabLst/>
                 <a:defRPr/>
               </a:pPr>
-              <a:t>2023-08-03</a:t>
+              <a:t>2023-08-07</a:t>
             </a:fld>
             <a:endParaRPr kumimoji="0" lang="ko-KR" altLang="en-US" sz="1200" b="0" i="0" u="none" strike="noStrike" kern="1200" cap="none" spc="0" normalizeH="0" baseline="0" noProof="0">
               <a:ln>
@@ -5598,7 +5601,7 @@
                 <a:tabLst/>
                 <a:defRPr/>
               </a:pPr>
-              <a:t>2023-08-03</a:t>
+              <a:t>2023-08-07</a:t>
             </a:fld>
             <a:endParaRPr kumimoji="0" lang="ko-KR" altLang="en-US" sz="1200" b="0" i="0" u="none" strike="noStrike" kern="1200" cap="none" spc="0" normalizeH="0" baseline="0" noProof="0">
               <a:ln>
@@ -6046,7 +6049,7 @@
                 <a:tabLst/>
                 <a:defRPr/>
               </a:pPr>
-              <a:t>2023-08-03</a:t>
+              <a:t>2023-08-07</a:t>
             </a:fld>
             <a:endParaRPr kumimoji="0" lang="ko-KR" altLang="en-US" sz="1200" b="0" i="0" u="none" strike="noStrike" kern="1200" cap="none" spc="0" normalizeH="0" baseline="0" noProof="0">
               <a:ln>
@@ -6469,7 +6472,7 @@
               <a:pPr>
                 <a:defRPr/>
               </a:pPr>
-              <a:t>2023-08-03</a:t>
+              <a:t>2023-08-07</a:t>
             </a:fld>
             <a:endParaRPr lang="ko-KR" altLang="en-US"/>
           </a:p>
@@ -6957,7 +6960,7 @@
                 <a:tabLst/>
                 <a:defRPr/>
               </a:pPr>
-              <a:t>2023-08-03</a:t>
+              <a:t>2023-08-07</a:t>
             </a:fld>
             <a:endParaRPr kumimoji="0" lang="ko-KR" altLang="en-US" sz="1200" b="0" i="0" u="none" strike="noStrike" kern="1200" cap="none" spc="0" normalizeH="0" baseline="0" noProof="0">
               <a:ln>
@@ -7235,7 +7238,7 @@
                 <a:tabLst/>
                 <a:defRPr/>
               </a:pPr>
-              <a:t>2023-08-03</a:t>
+              <a:t>2023-08-07</a:t>
             </a:fld>
             <a:endParaRPr kumimoji="0" lang="ko-KR" altLang="en-US" sz="1200" b="0" i="0" u="none" strike="noStrike" kern="1200" cap="none" spc="0" normalizeH="0" baseline="0" noProof="0">
               <a:ln>
@@ -7490,7 +7493,7 @@
                 <a:tabLst/>
                 <a:defRPr/>
               </a:pPr>
-              <a:t>2023-08-03</a:t>
+              <a:t>2023-08-07</a:t>
             </a:fld>
             <a:endParaRPr kumimoji="0" lang="ko-KR" altLang="en-US" sz="1200" b="0" i="0" u="none" strike="noStrike" kern="1200" cap="none" spc="0" normalizeH="0" baseline="0" noProof="0">
               <a:ln>
@@ -7927,7 +7930,7 @@
                 <a:tabLst/>
                 <a:defRPr/>
               </a:pPr>
-              <a:t>2023-08-03</a:t>
+              <a:t>2023-08-07</a:t>
             </a:fld>
             <a:endParaRPr kumimoji="0" lang="ko-KR" altLang="en-US" sz="1200" b="0" i="0" u="none" strike="noStrike" kern="1200" cap="none" spc="0" normalizeH="0" baseline="0" noProof="0">
               <a:ln>
@@ -8340,7 +8343,7 @@
                 <a:tabLst/>
                 <a:defRPr/>
               </a:pPr>
-              <a:t>2023-08-03</a:t>
+              <a:t>2023-08-07</a:t>
             </a:fld>
             <a:endParaRPr kumimoji="0" lang="ko-KR" altLang="en-US" sz="1200" b="0" i="0" u="none" strike="noStrike" kern="1200" cap="none" spc="0" normalizeH="0" baseline="0" noProof="0">
               <a:ln>
@@ -8670,7 +8673,7 @@
                 <a:tabLst/>
                 <a:defRPr/>
               </a:pPr>
-              <a:t>2023-08-03</a:t>
+              <a:t>2023-08-07</a:t>
             </a:fld>
             <a:endParaRPr kumimoji="0" lang="ko-KR" altLang="en-US" sz="1200" b="0" i="0" u="none" strike="noStrike" kern="1200" cap="none" spc="0" normalizeH="0" baseline="0" noProof="0">
               <a:ln>
@@ -9010,7 +9013,7 @@
                 <a:tabLst/>
                 <a:defRPr/>
               </a:pPr>
-              <a:t>2023-08-03</a:t>
+              <a:t>2023-08-07</a:t>
             </a:fld>
             <a:endParaRPr kumimoji="0" lang="ko-KR" altLang="en-US" sz="1200" b="0" i="0" u="none" strike="noStrike" kern="1200" cap="none" spc="0" normalizeH="0" baseline="0" noProof="0">
               <a:ln>
@@ -9370,7 +9373,7 @@
               <a:pPr>
                 <a:defRPr/>
               </a:pPr>
-              <a:t>2023-08-03</a:t>
+              <a:t>2023-08-07</a:t>
             </a:fld>
             <a:endParaRPr lang="ko-KR" altLang="en-US"/>
           </a:p>
@@ -9636,7 +9639,7 @@
               <a:pPr>
                 <a:defRPr/>
               </a:pPr>
-              <a:t>2023-08-03</a:t>
+              <a:t>2023-08-07</a:t>
             </a:fld>
             <a:endParaRPr lang="ko-KR" altLang="en-US"/>
           </a:p>
@@ -10052,7 +10055,7 @@
               <a:pPr>
                 <a:defRPr/>
               </a:pPr>
-              <a:t>2023-08-03</a:t>
+              <a:t>2023-08-07</a:t>
             </a:fld>
             <a:endParaRPr lang="ko-KR" altLang="en-US"/>
           </a:p>
@@ -10654,7 +10657,7 @@
               <a:pPr>
                 <a:defRPr/>
               </a:pPr>
-              <a:t>2023-08-03</a:t>
+              <a:t>2023-08-07</a:t>
             </a:fld>
             <a:endParaRPr lang="ko-KR" altLang="en-US"/>
           </a:p>
@@ -10806,7 +10809,7 @@
               <a:pPr>
                 <a:defRPr/>
               </a:pPr>
-              <a:t>2023-08-03</a:t>
+              <a:t>2023-08-07</a:t>
             </a:fld>
             <a:endParaRPr lang="ko-KR" altLang="en-US"/>
           </a:p>
@@ -11402,7 +11405,7 @@
               <a:pPr>
                 <a:defRPr/>
               </a:pPr>
-              <a:t>2023-08-03</a:t>
+              <a:t>2023-08-07</a:t>
             </a:fld>
             <a:endParaRPr lang="ko-KR" altLang="en-US"/>
           </a:p>
@@ -11614,7 +11617,7 @@
               <a:pPr>
                 <a:defRPr/>
               </a:pPr>
-              <a:t>2023-08-03</a:t>
+              <a:t>2023-08-07</a:t>
             </a:fld>
             <a:endParaRPr lang="ko-KR" altLang="en-US"/>
           </a:p>
@@ -11884,7 +11887,7 @@
               <a:pPr>
                 <a:defRPr/>
               </a:pPr>
-              <a:t>2023-08-03</a:t>
+              <a:t>2023-08-07</a:t>
             </a:fld>
             <a:endParaRPr lang="ko-KR" altLang="en-US"/>
           </a:p>
@@ -12172,7 +12175,7 @@
               <a:pPr>
                 <a:defRPr/>
               </a:pPr>
-              <a:t>2023-08-03</a:t>
+              <a:t>2023-08-07</a:t>
             </a:fld>
             <a:endParaRPr lang="ko-KR" altLang="en-US"/>
           </a:p>
@@ -13091,7 +13094,7 @@
                 <a:tabLst/>
                 <a:defRPr/>
               </a:pPr>
-              <a:t>2023-08-03</a:t>
+              <a:t>2023-08-07</a:t>
             </a:fld>
             <a:endParaRPr kumimoji="0" lang="ko-KR" altLang="en-US" sz="1200" b="0" i="0" u="none" strike="noStrike" kern="1200" cap="none" spc="0" normalizeH="0" baseline="0" noProof="0">
               <a:ln>
@@ -21147,6 +21150,2286 @@
 </p:sld>
 </file>
 
+<file path=ppt/slides/slide12.xml><?xml version="1.0" encoding="utf-8"?>
+<p:sld xmlns:a="http://schemas.openxmlformats.org/drawingml/2006/main" xmlns:r="http://schemas.openxmlformats.org/officeDocument/2006/relationships" xmlns:p="http://schemas.openxmlformats.org/presentationml/2006/main">
+  <p:cSld>
+    <p:spTree>
+      <p:nvGrpSpPr>
+        <p:cNvPr id="1" name=""/>
+        <p:cNvGrpSpPr/>
+        <p:nvPr/>
+      </p:nvGrpSpPr>
+      <p:grpSpPr>
+        <a:xfrm>
+          <a:off x="0" y="0"/>
+          <a:ext cx="0" cy="0"/>
+          <a:chOff x="0" y="0"/>
+          <a:chExt cx="0" cy="0"/>
+        </a:xfrm>
+      </p:grpSpPr>
+      <p:sp>
+        <p:nvSpPr>
+          <p:cNvPr id="5" name="직사각형 4"/>
+          <p:cNvSpPr/>
+          <p:nvPr/>
+        </p:nvSpPr>
+        <p:spPr>
+          <a:xfrm>
+            <a:off x="285688" y="476672"/>
+            <a:ext cx="8858312" cy="2169825"/>
+          </a:xfrm>
+          <a:prstGeom prst="rect">
+            <a:avLst/>
+          </a:prstGeom>
+        </p:spPr>
+        <p:txBody>
+          <a:bodyPr wrap="square">
+            <a:spAutoFit/>
+          </a:bodyPr>
+          <a:lstStyle/>
+          <a:p>
+            <a:pPr marL="174625" marR="0" lvl="0" indent="-174625" algn="l" defTabSz="914400" rtl="0" eaLnBrk="1" fontAlgn="auto" latinLnBrk="1" hangingPunct="1">
+              <a:lnSpc>
+                <a:spcPts val="1800"/>
+              </a:lnSpc>
+              <a:spcBef>
+                <a:spcPts val="0"/>
+              </a:spcBef>
+              <a:spcAft>
+                <a:spcPts val="0"/>
+              </a:spcAft>
+              <a:buClrTx/>
+              <a:buSzTx/>
+              <a:buFontTx/>
+              <a:buNone/>
+              <a:tabLst/>
+              <a:defRPr/>
+            </a:pPr>
+            <a:r>
+              <a:rPr kumimoji="0" lang="en-US" altLang="ko-KR" b="1" i="0" u="none" strike="noStrike" kern="1200" cap="none" spc="0" normalizeH="0" baseline="0" noProof="0" dirty="0" smtClean="0">
+                <a:ln>
+                  <a:noFill/>
+                </a:ln>
+                <a:solidFill>
+                  <a:prstClr val="black"/>
+                </a:solidFill>
+                <a:effectLst/>
+                <a:uLnTx/>
+                <a:uFillTx/>
+                <a:latin typeface="맑은 고딕" panose="020B0503020000020004" pitchFamily="50" charset="-127"/>
+                <a:ea typeface="맑은 고딕" panose="020B0503020000020004" pitchFamily="50" charset="-127"/>
+              </a:rPr>
+              <a:t>*** </a:t>
+            </a:r>
+            <a:r>
+              <a:rPr kumimoji="0" lang="ko-KR" altLang="en-US" b="1" i="0" u="none" strike="noStrike" kern="1200" cap="none" spc="0" normalizeH="0" baseline="0" noProof="0" dirty="0" smtClean="0">
+                <a:ln>
+                  <a:noFill/>
+                </a:ln>
+                <a:solidFill>
+                  <a:prstClr val="black"/>
+                </a:solidFill>
+                <a:effectLst/>
+                <a:uLnTx/>
+                <a:uFillTx/>
+                <a:latin typeface="맑은 고딕" panose="020B0503020000020004" pitchFamily="50" charset="-127"/>
+                <a:ea typeface="맑은 고딕" panose="020B0503020000020004" pitchFamily="50" charset="-127"/>
+              </a:rPr>
+              <a:t>크롬</a:t>
+            </a:r>
+            <a:r>
+              <a:rPr kumimoji="0" lang="ko-KR" altLang="en-US" i="0" u="none" strike="noStrike" kern="1200" cap="none" spc="0" normalizeH="0" baseline="0" noProof="0" dirty="0" smtClean="0">
+                <a:ln>
+                  <a:noFill/>
+                </a:ln>
+                <a:solidFill>
+                  <a:prstClr val="black"/>
+                </a:solidFill>
+                <a:effectLst/>
+                <a:uLnTx/>
+                <a:uFillTx/>
+                <a:latin typeface="맑은 고딕" panose="020B0503020000020004" pitchFamily="50" charset="-127"/>
+                <a:ea typeface="맑은 고딕" panose="020B0503020000020004" pitchFamily="50" charset="-127"/>
+              </a:rPr>
+              <a:t> 확장프로그램 </a:t>
+            </a:r>
+            <a:r>
+              <a:rPr kumimoji="0" lang="ko-KR" altLang="en-US" b="1" i="0" u="none" strike="noStrike" kern="1200" cap="none" spc="0" normalizeH="0" baseline="0" noProof="0" dirty="0" err="1" smtClean="0">
+                <a:ln>
+                  <a:noFill/>
+                </a:ln>
+                <a:solidFill>
+                  <a:prstClr val="black"/>
+                </a:solidFill>
+                <a:effectLst/>
+                <a:uLnTx/>
+                <a:uFillTx/>
+                <a:latin typeface="맑은 고딕" panose="020B0503020000020004" pitchFamily="50" charset="-127"/>
+                <a:ea typeface="맑은 고딕" panose="020B0503020000020004" pitchFamily="50" charset="-127"/>
+              </a:rPr>
+              <a:t>리액트</a:t>
+            </a:r>
+            <a:r>
+              <a:rPr kumimoji="0" lang="ko-KR" altLang="en-US" b="1" i="0" u="none" strike="noStrike" kern="1200" cap="none" spc="0" normalizeH="0" baseline="0" noProof="0" dirty="0" smtClean="0">
+                <a:ln>
+                  <a:noFill/>
+                </a:ln>
+                <a:solidFill>
+                  <a:prstClr val="black"/>
+                </a:solidFill>
+                <a:effectLst/>
+                <a:uLnTx/>
+                <a:uFillTx/>
+                <a:latin typeface="맑은 고딕" panose="020B0503020000020004" pitchFamily="50" charset="-127"/>
+                <a:ea typeface="맑은 고딕" panose="020B0503020000020004" pitchFamily="50" charset="-127"/>
+              </a:rPr>
+              <a:t> 개발자 도구</a:t>
+            </a:r>
+            <a:r>
+              <a:rPr kumimoji="0" lang="ko-KR" altLang="en-US" i="0" u="none" strike="noStrike" kern="1200" cap="none" spc="0" normalizeH="0" baseline="0" noProof="0" dirty="0" smtClean="0">
+                <a:ln>
+                  <a:noFill/>
+                </a:ln>
+                <a:solidFill>
+                  <a:prstClr val="black"/>
+                </a:solidFill>
+                <a:effectLst/>
+                <a:uLnTx/>
+                <a:uFillTx/>
+                <a:latin typeface="맑은 고딕" panose="020B0503020000020004" pitchFamily="50" charset="-127"/>
+                <a:ea typeface="맑은 고딕" panose="020B0503020000020004" pitchFamily="50" charset="-127"/>
+              </a:rPr>
+              <a:t> 설치하기</a:t>
+            </a:r>
+            <a:endParaRPr kumimoji="0" lang="en-US" altLang="ko-KR" i="0" u="none" strike="noStrike" kern="1200" cap="none" spc="0" normalizeH="0" baseline="0" noProof="0" dirty="0" smtClean="0">
+              <a:ln>
+                <a:noFill/>
+              </a:ln>
+              <a:solidFill>
+                <a:prstClr val="black"/>
+              </a:solidFill>
+              <a:effectLst/>
+              <a:uLnTx/>
+              <a:uFillTx/>
+              <a:latin typeface="맑은 고딕" panose="020B0503020000020004" pitchFamily="50" charset="-127"/>
+              <a:ea typeface="맑은 고딕" panose="020B0503020000020004" pitchFamily="50" charset="-127"/>
+            </a:endParaRPr>
+          </a:p>
+          <a:p>
+            <a:pPr marL="174625" lvl="0" indent="-174625" eaLnBrk="1" fontAlgn="auto" latinLnBrk="1" hangingPunct="1">
+              <a:lnSpc>
+                <a:spcPts val="1800"/>
+              </a:lnSpc>
+              <a:spcBef>
+                <a:spcPts val="0"/>
+              </a:spcBef>
+              <a:spcAft>
+                <a:spcPts val="0"/>
+              </a:spcAft>
+              <a:defRPr/>
+            </a:pPr>
+            <a:endParaRPr kumimoji="0" lang="en-US" altLang="ko-KR" sz="1400" dirty="0">
+              <a:solidFill>
+                <a:prstClr val="black"/>
+              </a:solidFill>
+              <a:latin typeface="맑은 고딕" panose="020B0503020000020004" pitchFamily="50" charset="-127"/>
+              <a:ea typeface="맑은 고딕" panose="020B0503020000020004" pitchFamily="50" charset="-127"/>
+            </a:endParaRPr>
+          </a:p>
+          <a:p>
+            <a:pPr marL="263525" lvl="0" indent="-263525" eaLnBrk="1" fontAlgn="auto" latinLnBrk="1" hangingPunct="1">
+              <a:lnSpc>
+                <a:spcPts val="1800"/>
+              </a:lnSpc>
+              <a:spcBef>
+                <a:spcPts val="0"/>
+              </a:spcBef>
+              <a:spcAft>
+                <a:spcPts val="0"/>
+              </a:spcAft>
+              <a:buFont typeface="Symbol" panose="05050102010706020507" pitchFamily="18" charset="2"/>
+              <a:buChar char="Þ"/>
+              <a:defRPr/>
+            </a:pPr>
+            <a:r>
+              <a:rPr kumimoji="0" lang="ko-KR" altLang="en-US" sz="1400" dirty="0" err="1" smtClean="0">
+                <a:solidFill>
+                  <a:prstClr val="black"/>
+                </a:solidFill>
+                <a:latin typeface="맑은 고딕" panose="020B0503020000020004" pitchFamily="50" charset="-127"/>
+                <a:ea typeface="맑은 고딕" panose="020B0503020000020004" pitchFamily="50" charset="-127"/>
+              </a:rPr>
+              <a:t>웹스토어</a:t>
+            </a:r>
+            <a:r>
+              <a:rPr kumimoji="0" lang="ko-KR" altLang="en-US" sz="1400" dirty="0" smtClean="0">
+                <a:solidFill>
+                  <a:prstClr val="black"/>
+                </a:solidFill>
+                <a:latin typeface="맑은 고딕" panose="020B0503020000020004" pitchFamily="50" charset="-127"/>
+                <a:ea typeface="맑은 고딕" panose="020B0503020000020004" pitchFamily="50" charset="-127"/>
+              </a:rPr>
+              <a:t> </a:t>
+            </a:r>
+            <a:r>
+              <a:rPr kumimoji="0" lang="ko-KR" altLang="en-US" sz="1400" dirty="0">
+                <a:solidFill>
+                  <a:prstClr val="black"/>
+                </a:solidFill>
+                <a:latin typeface="맑은 고딕" panose="020B0503020000020004" pitchFamily="50" charset="-127"/>
+                <a:ea typeface="맑은 고딕" panose="020B0503020000020004" pitchFamily="50" charset="-127"/>
+              </a:rPr>
+              <a:t>크롬</a:t>
+            </a:r>
+            <a:r>
+              <a:rPr kumimoji="0" lang="ko-KR" altLang="en-US" sz="1400" dirty="0" smtClean="0">
+                <a:solidFill>
+                  <a:prstClr val="black"/>
+                </a:solidFill>
+                <a:latin typeface="맑은 고딕" panose="020B0503020000020004" pitchFamily="50" charset="-127"/>
+                <a:ea typeface="맑은 고딕" panose="020B0503020000020004" pitchFamily="50" charset="-127"/>
+              </a:rPr>
+              <a:t> 접속하기 </a:t>
+            </a:r>
+            <a:r>
+              <a:rPr kumimoji="0" lang="en-US" altLang="ko-KR" sz="1400" dirty="0">
+                <a:solidFill>
+                  <a:prstClr val="black"/>
+                </a:solidFill>
+                <a:latin typeface="맑은 고딕" panose="020B0503020000020004" pitchFamily="50" charset="-127"/>
+                <a:ea typeface="맑은 고딕" panose="020B0503020000020004" pitchFamily="50" charset="-127"/>
+              </a:rPr>
+              <a:t>(https://</a:t>
+            </a:r>
+            <a:r>
+              <a:rPr kumimoji="0" lang="en-US" altLang="ko-KR" sz="1400" dirty="0" smtClean="0">
+                <a:solidFill>
+                  <a:prstClr val="black"/>
+                </a:solidFill>
+                <a:latin typeface="맑은 고딕" panose="020B0503020000020004" pitchFamily="50" charset="-127"/>
+                <a:ea typeface="맑은 고딕" panose="020B0503020000020004" pitchFamily="50" charset="-127"/>
+              </a:rPr>
+              <a:t>chrome.google.com/webstore/category/extensions?hl=ko )</a:t>
+            </a:r>
+          </a:p>
+          <a:p>
+            <a:pPr marL="263525" lvl="0" indent="-263525" eaLnBrk="1" fontAlgn="auto" latinLnBrk="1" hangingPunct="1">
+              <a:lnSpc>
+                <a:spcPts val="1800"/>
+              </a:lnSpc>
+              <a:spcBef>
+                <a:spcPts val="0"/>
+              </a:spcBef>
+              <a:spcAft>
+                <a:spcPts val="0"/>
+              </a:spcAft>
+              <a:buFont typeface="Symbol" panose="05050102010706020507" pitchFamily="18" charset="2"/>
+              <a:buChar char="Þ"/>
+              <a:defRPr/>
+            </a:pPr>
+            <a:r>
+              <a:rPr kumimoji="0" lang="ko-KR" altLang="en-US" sz="1400" dirty="0" smtClean="0">
+                <a:solidFill>
+                  <a:prstClr val="black"/>
+                </a:solidFill>
+                <a:latin typeface="맑은 고딕" panose="020B0503020000020004" pitchFamily="50" charset="-127"/>
+                <a:ea typeface="맑은 고딕" panose="020B0503020000020004" pitchFamily="50" charset="-127"/>
+              </a:rPr>
+              <a:t>검색 </a:t>
+            </a:r>
+            <a:r>
+              <a:rPr kumimoji="0" lang="en-US" altLang="ko-KR" sz="1400" dirty="0" smtClean="0">
+                <a:solidFill>
+                  <a:prstClr val="black"/>
+                </a:solidFill>
+                <a:latin typeface="맑은 고딕" panose="020B0503020000020004" pitchFamily="50" charset="-127"/>
+                <a:ea typeface="맑은 고딕" panose="020B0503020000020004" pitchFamily="50" charset="-127"/>
+              </a:rPr>
+              <a:t>: " </a:t>
+            </a:r>
+            <a:r>
+              <a:rPr kumimoji="0" lang="en-US" altLang="ko-KR" sz="1400" dirty="0">
+                <a:solidFill>
+                  <a:prstClr val="black"/>
+                </a:solidFill>
+                <a:latin typeface="맑은 고딕" panose="020B0503020000020004" pitchFamily="50" charset="-127"/>
+                <a:ea typeface="맑은 고딕" panose="020B0503020000020004" pitchFamily="50" charset="-127"/>
+              </a:rPr>
+              <a:t>React Developer Tools" </a:t>
+            </a:r>
+            <a:r>
+              <a:rPr kumimoji="0" lang="ko-KR" altLang="en-US" sz="1400" dirty="0" err="1" smtClean="0">
+                <a:solidFill>
+                  <a:prstClr val="black"/>
+                </a:solidFill>
+                <a:latin typeface="맑은 고딕" panose="020B0503020000020004" pitchFamily="50" charset="-127"/>
+                <a:ea typeface="맑은 고딕" panose="020B0503020000020004" pitchFamily="50" charset="-127"/>
+              </a:rPr>
+              <a:t>검색후</a:t>
+            </a:r>
+            <a:r>
+              <a:rPr kumimoji="0" lang="en-US" altLang="ko-KR" sz="1400" dirty="0" smtClean="0">
+                <a:solidFill>
+                  <a:prstClr val="black"/>
+                </a:solidFill>
+                <a:latin typeface="맑은 고딕" panose="020B0503020000020004" pitchFamily="50" charset="-127"/>
+                <a:ea typeface="맑은 고딕" panose="020B0503020000020004" pitchFamily="50" charset="-127"/>
+              </a:rPr>
+              <a:t> </a:t>
+            </a:r>
+            <a:r>
+              <a:rPr kumimoji="0" lang="ko-KR" altLang="en-US" sz="1400" dirty="0" smtClean="0">
+                <a:solidFill>
+                  <a:prstClr val="black"/>
+                </a:solidFill>
+                <a:latin typeface="맑은 고딕" panose="020B0503020000020004" pitchFamily="50" charset="-127"/>
+                <a:ea typeface="맑은 고딕" panose="020B0503020000020004" pitchFamily="50" charset="-127"/>
+              </a:rPr>
+              <a:t>추가하기</a:t>
+            </a:r>
+            <a:endParaRPr kumimoji="0" lang="en-US" altLang="ko-KR" sz="1400" dirty="0" smtClean="0">
+              <a:solidFill>
+                <a:prstClr val="black"/>
+              </a:solidFill>
+              <a:latin typeface="맑은 고딕" panose="020B0503020000020004" pitchFamily="50" charset="-127"/>
+              <a:ea typeface="맑은 고딕" panose="020B0503020000020004" pitchFamily="50" charset="-127"/>
+            </a:endParaRPr>
+          </a:p>
+          <a:p>
+            <a:pPr marL="263525" lvl="0" indent="-263525" eaLnBrk="1" fontAlgn="auto" latinLnBrk="1" hangingPunct="1">
+              <a:lnSpc>
+                <a:spcPts val="1800"/>
+              </a:lnSpc>
+              <a:spcBef>
+                <a:spcPts val="0"/>
+              </a:spcBef>
+              <a:spcAft>
+                <a:spcPts val="0"/>
+              </a:spcAft>
+              <a:buFont typeface="Symbol" panose="05050102010706020507" pitchFamily="18" charset="2"/>
+              <a:buChar char="Þ"/>
+              <a:defRPr/>
+            </a:pPr>
+            <a:r>
+              <a:rPr kumimoji="0" lang="ko-KR" altLang="en-US" sz="1400" dirty="0" smtClean="0">
+                <a:solidFill>
+                  <a:prstClr val="black"/>
+                </a:solidFill>
+                <a:latin typeface="맑은 고딕" panose="020B0503020000020004" pitchFamily="50" charset="-127"/>
+                <a:ea typeface="맑은 고딕" panose="020B0503020000020004" pitchFamily="50" charset="-127"/>
+              </a:rPr>
+              <a:t>크롬에서 </a:t>
+            </a:r>
+            <a:r>
+              <a:rPr kumimoji="0" lang="ko-KR" altLang="en-US" sz="1400" dirty="0">
+                <a:solidFill>
+                  <a:prstClr val="black"/>
+                </a:solidFill>
+                <a:latin typeface="맑은 고딕" panose="020B0503020000020004" pitchFamily="50" charset="-127"/>
+                <a:ea typeface="맑은 고딕" panose="020B0503020000020004" pitchFamily="50" charset="-127"/>
+              </a:rPr>
+              <a:t>확장프로그램 설정하기 </a:t>
+            </a:r>
+            <a:r>
+              <a:rPr kumimoji="0" lang="en-US" altLang="ko-KR" sz="1400" dirty="0" smtClean="0">
+                <a:solidFill>
+                  <a:prstClr val="black"/>
+                </a:solidFill>
+                <a:latin typeface="맑은 고딕" panose="020B0503020000020004" pitchFamily="50" charset="-127"/>
+                <a:ea typeface="맑은 고딕" panose="020B0503020000020004" pitchFamily="50" charset="-127"/>
+              </a:rPr>
+              <a:t>... </a:t>
+            </a:r>
+          </a:p>
+          <a:p>
+            <a:pPr marL="263525" lvl="0" indent="-263525" eaLnBrk="1" fontAlgn="auto" latinLnBrk="1" hangingPunct="1">
+              <a:lnSpc>
+                <a:spcPts val="1800"/>
+              </a:lnSpc>
+              <a:spcBef>
+                <a:spcPts val="0"/>
+              </a:spcBef>
+              <a:spcAft>
+                <a:spcPts val="0"/>
+              </a:spcAft>
+              <a:buFont typeface="Symbol" panose="05050102010706020507" pitchFamily="18" charset="2"/>
+              <a:buChar char="Þ"/>
+              <a:defRPr/>
+            </a:pPr>
+            <a:r>
+              <a:rPr kumimoji="0" lang="ko-KR" altLang="en-US" sz="1400" dirty="0" smtClean="0">
+                <a:solidFill>
+                  <a:prstClr val="black"/>
+                </a:solidFill>
+                <a:latin typeface="맑은 고딕" panose="020B0503020000020004" pitchFamily="50" charset="-127"/>
+                <a:ea typeface="맑은 고딕" panose="020B0503020000020004" pitchFamily="50" charset="-127"/>
+              </a:rPr>
+              <a:t>적용 </a:t>
+            </a:r>
+            <a:r>
+              <a:rPr kumimoji="0" lang="ko-KR" altLang="en-US" sz="1400" dirty="0">
+                <a:solidFill>
+                  <a:prstClr val="black"/>
+                </a:solidFill>
+                <a:latin typeface="맑은 고딕" panose="020B0503020000020004" pitchFamily="50" charset="-127"/>
+                <a:ea typeface="맑은 고딕" panose="020B0503020000020004" pitchFamily="50" charset="-127"/>
+              </a:rPr>
+              <a:t>완료</a:t>
+            </a:r>
+            <a:r>
+              <a:rPr kumimoji="0" lang="en-US" altLang="ko-KR" sz="1400" i="0" u="none" strike="noStrike" kern="1200" cap="none" spc="0" normalizeH="0" baseline="0" noProof="0" dirty="0" smtClean="0">
+                <a:ln>
+                  <a:noFill/>
+                </a:ln>
+                <a:solidFill>
+                  <a:prstClr val="black"/>
+                </a:solidFill>
+                <a:effectLst/>
+                <a:uLnTx/>
+                <a:uFillTx/>
+                <a:latin typeface="맑은 고딕" panose="020B0503020000020004" pitchFamily="50" charset="-127"/>
+                <a:ea typeface="맑은 고딕" panose="020B0503020000020004" pitchFamily="50" charset="-127"/>
+              </a:rPr>
+              <a:t/>
+            </a:r>
+            <a:br>
+              <a:rPr kumimoji="0" lang="en-US" altLang="ko-KR" sz="1400" i="0" u="none" strike="noStrike" kern="1200" cap="none" spc="0" normalizeH="0" baseline="0" noProof="0" dirty="0" smtClean="0">
+                <a:ln>
+                  <a:noFill/>
+                </a:ln>
+                <a:solidFill>
+                  <a:prstClr val="black"/>
+                </a:solidFill>
+                <a:effectLst/>
+                <a:uLnTx/>
+                <a:uFillTx/>
+                <a:latin typeface="맑은 고딕" panose="020B0503020000020004" pitchFamily="50" charset="-127"/>
+                <a:ea typeface="맑은 고딕" panose="020B0503020000020004" pitchFamily="50" charset="-127"/>
+              </a:rPr>
+            </a:br>
+            <a:r>
+              <a:rPr kumimoji="0" lang="en-US" altLang="ko-KR" sz="1400" b="1" i="0" u="none" strike="noStrike" kern="1200" cap="none" spc="0" normalizeH="0" baseline="0" noProof="0" dirty="0" smtClean="0">
+                <a:ln>
+                  <a:noFill/>
+                </a:ln>
+                <a:solidFill>
+                  <a:prstClr val="black"/>
+                </a:solidFill>
+                <a:effectLst/>
+                <a:uLnTx/>
+                <a:uFillTx/>
+                <a:latin typeface="맑은 고딕" panose="020B0503020000020004" pitchFamily="50" charset="-127"/>
+                <a:ea typeface="맑은 고딕" panose="020B0503020000020004" pitchFamily="50" charset="-127"/>
+                <a:cs typeface="+mn-cs"/>
+              </a:rPr>
+              <a:t/>
+            </a:r>
+            <a:br>
+              <a:rPr kumimoji="0" lang="en-US" altLang="ko-KR" sz="1400" b="1" i="0" u="none" strike="noStrike" kern="1200" cap="none" spc="0" normalizeH="0" baseline="0" noProof="0" dirty="0" smtClean="0">
+                <a:ln>
+                  <a:noFill/>
+                </a:ln>
+                <a:solidFill>
+                  <a:prstClr val="black"/>
+                </a:solidFill>
+                <a:effectLst/>
+                <a:uLnTx/>
+                <a:uFillTx/>
+                <a:latin typeface="맑은 고딕" panose="020B0503020000020004" pitchFamily="50" charset="-127"/>
+                <a:ea typeface="맑은 고딕" panose="020B0503020000020004" pitchFamily="50" charset="-127"/>
+                <a:cs typeface="+mn-cs"/>
+              </a:rPr>
+            </a:br>
+            <a:r>
+              <a:rPr kumimoji="0" lang="en-US" altLang="ko-KR" sz="1400" b="1" i="0" u="none" strike="noStrike" kern="1200" cap="none" spc="0" normalizeH="0" baseline="0" noProof="0" dirty="0" smtClean="0">
+                <a:ln>
+                  <a:noFill/>
+                </a:ln>
+                <a:solidFill>
+                  <a:prstClr val="black"/>
+                </a:solidFill>
+                <a:effectLst/>
+                <a:uLnTx/>
+                <a:uFillTx/>
+                <a:latin typeface="맑은 고딕" panose="020B0503020000020004" pitchFamily="50" charset="-127"/>
+                <a:ea typeface="맑은 고딕" panose="020B0503020000020004" pitchFamily="50" charset="-127"/>
+                <a:cs typeface="+mn-cs"/>
+              </a:rPr>
+              <a:t/>
+            </a:r>
+            <a:br>
+              <a:rPr kumimoji="0" lang="en-US" altLang="ko-KR" sz="1400" b="1" i="0" u="none" strike="noStrike" kern="1200" cap="none" spc="0" normalizeH="0" baseline="0" noProof="0" dirty="0" smtClean="0">
+                <a:ln>
+                  <a:noFill/>
+                </a:ln>
+                <a:solidFill>
+                  <a:prstClr val="black"/>
+                </a:solidFill>
+                <a:effectLst/>
+                <a:uLnTx/>
+                <a:uFillTx/>
+                <a:latin typeface="맑은 고딕" panose="020B0503020000020004" pitchFamily="50" charset="-127"/>
+                <a:ea typeface="맑은 고딕" panose="020B0503020000020004" pitchFamily="50" charset="-127"/>
+                <a:cs typeface="+mn-cs"/>
+              </a:rPr>
+            </a:br>
+            <a:endParaRPr kumimoji="0" lang="en-US" altLang="ko-KR" sz="1200" b="0" i="0" u="none" strike="noStrike" kern="1200" cap="none" spc="0" normalizeH="0" baseline="0" noProof="0" dirty="0" smtClean="0">
+              <a:ln>
+                <a:noFill/>
+              </a:ln>
+              <a:solidFill>
+                <a:prstClr val="black"/>
+              </a:solidFill>
+              <a:effectLst/>
+              <a:uLnTx/>
+              <a:uFillTx/>
+              <a:latin typeface="맑은 고딕" panose="020B0503020000020004" pitchFamily="50" charset="-127"/>
+              <a:ea typeface="맑은 고딕" panose="020B0503020000020004" pitchFamily="50" charset="-127"/>
+              <a:cs typeface="+mn-cs"/>
+            </a:endParaRPr>
+          </a:p>
+        </p:txBody>
+      </p:sp>
+      <p:pic>
+        <p:nvPicPr>
+          <p:cNvPr id="4" name="그림 3"/>
+          <p:cNvPicPr>
+            <a:picLocks noChangeAspect="1"/>
+          </p:cNvPicPr>
+          <p:nvPr/>
+        </p:nvPicPr>
+        <p:blipFill rotWithShape="1">
+          <a:blip r:embed="rId2"/>
+          <a:srcRect b="-555"/>
+          <a:stretch/>
+        </p:blipFill>
+        <p:spPr>
+          <a:xfrm>
+            <a:off x="1331640" y="2060848"/>
+            <a:ext cx="6840760" cy="4512209"/>
+          </a:xfrm>
+          <a:prstGeom prst="rect">
+            <a:avLst/>
+          </a:prstGeom>
+        </p:spPr>
+      </p:pic>
+    </p:spTree>
+    <p:extLst>
+      <p:ext uri="{BB962C8B-B14F-4D97-AF65-F5344CB8AC3E}">
+        <p14:creationId xmlns:p14="http://schemas.microsoft.com/office/powerpoint/2010/main" val="1729376445"/>
+      </p:ext>
+    </p:extLst>
+  </p:cSld>
+  <p:clrMapOvr>
+    <a:masterClrMapping/>
+  </p:clrMapOvr>
+</p:sld>
+</file>
+
+<file path=ppt/slides/slide13.xml><?xml version="1.0" encoding="utf-8"?>
+<p:sld xmlns:a="http://schemas.openxmlformats.org/drawingml/2006/main" xmlns:r="http://schemas.openxmlformats.org/officeDocument/2006/relationships" xmlns:p="http://schemas.openxmlformats.org/presentationml/2006/main">
+  <p:cSld>
+    <p:spTree>
+      <p:nvGrpSpPr>
+        <p:cNvPr id="1" name=""/>
+        <p:cNvGrpSpPr/>
+        <p:nvPr/>
+      </p:nvGrpSpPr>
+      <p:grpSpPr>
+        <a:xfrm>
+          <a:off x="0" y="0"/>
+          <a:ext cx="0" cy="0"/>
+          <a:chOff x="0" y="0"/>
+          <a:chExt cx="0" cy="0"/>
+        </a:xfrm>
+      </p:grpSpPr>
+      <p:sp>
+        <p:nvSpPr>
+          <p:cNvPr id="5" name="직사각형 4"/>
+          <p:cNvSpPr/>
+          <p:nvPr/>
+        </p:nvSpPr>
+        <p:spPr>
+          <a:xfrm>
+            <a:off x="178184" y="651460"/>
+            <a:ext cx="8858312" cy="3785652"/>
+          </a:xfrm>
+          <a:prstGeom prst="rect">
+            <a:avLst/>
+          </a:prstGeom>
+        </p:spPr>
+        <p:txBody>
+          <a:bodyPr wrap="square">
+            <a:spAutoFit/>
+          </a:bodyPr>
+          <a:lstStyle/>
+          <a:p>
+            <a:pPr marL="174625" lvl="0" indent="-174625" eaLnBrk="1" fontAlgn="auto" latinLnBrk="1" hangingPunct="1">
+              <a:lnSpc>
+                <a:spcPts val="1800"/>
+              </a:lnSpc>
+              <a:spcBef>
+                <a:spcPts val="0"/>
+              </a:spcBef>
+              <a:spcAft>
+                <a:spcPts val="0"/>
+              </a:spcAft>
+              <a:defRPr/>
+            </a:pPr>
+            <a:endParaRPr kumimoji="0" lang="en-US" altLang="ko-KR" sz="1400" dirty="0" smtClean="0">
+              <a:solidFill>
+                <a:prstClr val="black"/>
+              </a:solidFill>
+              <a:latin typeface="맑은 고딕" panose="020B0503020000020004" pitchFamily="50" charset="-127"/>
+              <a:ea typeface="맑은 고딕" panose="020B0503020000020004" pitchFamily="50" charset="-127"/>
+            </a:endParaRPr>
+          </a:p>
+          <a:p>
+            <a:pPr marL="263525" lvl="0" indent="-263525" eaLnBrk="1" fontAlgn="auto" latinLnBrk="1" hangingPunct="1">
+              <a:lnSpc>
+                <a:spcPts val="1800"/>
+              </a:lnSpc>
+              <a:spcBef>
+                <a:spcPts val="0"/>
+              </a:spcBef>
+              <a:spcAft>
+                <a:spcPts val="0"/>
+              </a:spcAft>
+              <a:buFont typeface="Symbol" panose="05050102010706020507" pitchFamily="18" charset="2"/>
+              <a:buChar char="Þ"/>
+              <a:defRPr/>
+            </a:pPr>
+            <a:r>
+              <a:rPr kumimoji="0" lang="ko-KR" altLang="en-US" sz="1400" dirty="0" err="1" smtClean="0">
+                <a:solidFill>
+                  <a:prstClr val="black"/>
+                </a:solidFill>
+                <a:latin typeface="맑은 고딕" panose="020B0503020000020004" pitchFamily="50" charset="-127"/>
+                <a:ea typeface="맑은 고딕" panose="020B0503020000020004" pitchFamily="50" charset="-127"/>
+              </a:rPr>
+              <a:t>개발자도구</a:t>
+            </a:r>
+            <a:r>
+              <a:rPr kumimoji="0" lang="ko-KR" altLang="en-US" sz="1400" dirty="0" smtClean="0">
+                <a:solidFill>
+                  <a:prstClr val="black"/>
+                </a:solidFill>
+                <a:latin typeface="맑은 고딕" panose="020B0503020000020004" pitchFamily="50" charset="-127"/>
+                <a:ea typeface="맑은 고딕" panose="020B0503020000020004" pitchFamily="50" charset="-127"/>
+              </a:rPr>
+              <a:t> 설정</a:t>
+            </a:r>
+            <a:r>
+              <a:rPr kumimoji="0" lang="en-US" altLang="ko-KR" sz="1400" dirty="0" smtClean="0">
+                <a:solidFill>
+                  <a:prstClr val="black"/>
+                </a:solidFill>
+                <a:latin typeface="맑은 고딕" panose="020B0503020000020004" pitchFamily="50" charset="-127"/>
+                <a:ea typeface="맑은 고딕" panose="020B0503020000020004" pitchFamily="50" charset="-127"/>
+              </a:rPr>
+              <a:t/>
+            </a:r>
+            <a:br>
+              <a:rPr kumimoji="0" lang="en-US" altLang="ko-KR" sz="1400" dirty="0" smtClean="0">
+                <a:solidFill>
+                  <a:prstClr val="black"/>
+                </a:solidFill>
+                <a:latin typeface="맑은 고딕" panose="020B0503020000020004" pitchFamily="50" charset="-127"/>
+                <a:ea typeface="맑은 고딕" panose="020B0503020000020004" pitchFamily="50" charset="-127"/>
+              </a:rPr>
+            </a:br>
+            <a:r>
+              <a:rPr kumimoji="0" lang="en-US" altLang="ko-KR" sz="1400" dirty="0" smtClean="0">
+                <a:solidFill>
+                  <a:prstClr val="black"/>
+                </a:solidFill>
+                <a:latin typeface="맑은 고딕" panose="020B0503020000020004" pitchFamily="50" charset="-127"/>
+                <a:ea typeface="맑은 고딕" panose="020B0503020000020004" pitchFamily="50" charset="-127"/>
+              </a:rPr>
+              <a:t>- </a:t>
+            </a:r>
+            <a:r>
+              <a:rPr kumimoji="0" lang="ko-KR" altLang="en-US" sz="1400" dirty="0" smtClean="0">
+                <a:solidFill>
+                  <a:prstClr val="black"/>
+                </a:solidFill>
+                <a:latin typeface="맑은 고딕" panose="020B0503020000020004" pitchFamily="50" charset="-127"/>
+                <a:ea typeface="맑은 고딕" panose="020B0503020000020004" pitchFamily="50" charset="-127"/>
+              </a:rPr>
+              <a:t>사용 </a:t>
+            </a:r>
+            <a:r>
+              <a:rPr kumimoji="0" lang="en-US" altLang="ko-KR" sz="1400" dirty="0" smtClean="0">
+                <a:solidFill>
+                  <a:prstClr val="black"/>
+                </a:solidFill>
+                <a:latin typeface="맑은 고딕" panose="020B0503020000020004" pitchFamily="50" charset="-127"/>
+                <a:ea typeface="맑은 고딕" panose="020B0503020000020004" pitchFamily="50" charset="-127"/>
+              </a:rPr>
+              <a:t>: on</a:t>
+            </a:r>
+            <a:br>
+              <a:rPr kumimoji="0" lang="en-US" altLang="ko-KR" sz="1400" dirty="0" smtClean="0">
+                <a:solidFill>
+                  <a:prstClr val="black"/>
+                </a:solidFill>
+                <a:latin typeface="맑은 고딕" panose="020B0503020000020004" pitchFamily="50" charset="-127"/>
+                <a:ea typeface="맑은 고딕" panose="020B0503020000020004" pitchFamily="50" charset="-127"/>
+              </a:rPr>
+            </a:br>
+            <a:r>
+              <a:rPr kumimoji="0" lang="en-US" altLang="ko-KR" sz="1400" dirty="0" smtClean="0">
+                <a:solidFill>
+                  <a:prstClr val="black"/>
+                </a:solidFill>
+                <a:latin typeface="맑은 고딕" panose="020B0503020000020004" pitchFamily="50" charset="-127"/>
+                <a:ea typeface="맑은 고딕" panose="020B0503020000020004" pitchFamily="50" charset="-127"/>
+              </a:rPr>
+              <a:t>- </a:t>
+            </a:r>
+            <a:r>
+              <a:rPr kumimoji="0" lang="ko-KR" altLang="en-US" sz="1400" dirty="0" smtClean="0">
+                <a:solidFill>
+                  <a:prstClr val="black"/>
+                </a:solidFill>
+                <a:latin typeface="맑은 고딕" panose="020B0503020000020004" pitchFamily="50" charset="-127"/>
+                <a:ea typeface="맑은 고딕" panose="020B0503020000020004" pitchFamily="50" charset="-127"/>
+              </a:rPr>
+              <a:t>사이트</a:t>
+            </a:r>
+            <a:r>
+              <a:rPr kumimoji="0" lang="en-US" altLang="ko-KR" sz="1400" dirty="0" smtClean="0">
+                <a:solidFill>
+                  <a:prstClr val="black"/>
+                </a:solidFill>
+                <a:latin typeface="맑은 고딕" panose="020B0503020000020004" pitchFamily="50" charset="-127"/>
+                <a:ea typeface="맑은 고딕" panose="020B0503020000020004" pitchFamily="50" charset="-127"/>
+              </a:rPr>
+              <a:t> </a:t>
+            </a:r>
+            <a:r>
+              <a:rPr kumimoji="0" lang="ko-KR" altLang="en-US" sz="1400" dirty="0" err="1" smtClean="0">
+                <a:solidFill>
+                  <a:prstClr val="black"/>
+                </a:solidFill>
+                <a:latin typeface="맑은 고딕" panose="020B0503020000020004" pitchFamily="50" charset="-127"/>
+                <a:ea typeface="맑은 고딕" panose="020B0503020000020004" pitchFamily="50" charset="-127"/>
+              </a:rPr>
+              <a:t>엑세스</a:t>
+            </a:r>
+            <a:r>
+              <a:rPr kumimoji="0" lang="ko-KR" altLang="en-US" sz="1400" dirty="0" smtClean="0">
+                <a:solidFill>
+                  <a:prstClr val="black"/>
+                </a:solidFill>
+                <a:latin typeface="맑은 고딕" panose="020B0503020000020004" pitchFamily="50" charset="-127"/>
+                <a:ea typeface="맑은 고딕" panose="020B0503020000020004" pitchFamily="50" charset="-127"/>
+              </a:rPr>
+              <a:t> </a:t>
+            </a:r>
+            <a:r>
+              <a:rPr kumimoji="0" lang="en-US" altLang="ko-KR" sz="1400" dirty="0" smtClean="0">
+                <a:solidFill>
+                  <a:prstClr val="black"/>
+                </a:solidFill>
+                <a:latin typeface="맑은 고딕" panose="020B0503020000020004" pitchFamily="50" charset="-127"/>
+                <a:ea typeface="맑은 고딕" panose="020B0503020000020004" pitchFamily="50" charset="-127"/>
+              </a:rPr>
+              <a:t>: </a:t>
+            </a:r>
+            <a:r>
+              <a:rPr kumimoji="0" lang="ko-KR" altLang="en-US" sz="1400" dirty="0" smtClean="0">
+                <a:solidFill>
+                  <a:prstClr val="black"/>
+                </a:solidFill>
+                <a:latin typeface="맑은 고딕" panose="020B0503020000020004" pitchFamily="50" charset="-127"/>
+                <a:ea typeface="맑은 고딕" panose="020B0503020000020004" pitchFamily="50" charset="-127"/>
+              </a:rPr>
+              <a:t>모든 사이트에서</a:t>
+            </a:r>
+            <a:r>
+              <a:rPr kumimoji="0" lang="en-US" altLang="ko-KR" sz="1400" dirty="0" smtClean="0">
+                <a:solidFill>
+                  <a:prstClr val="black"/>
+                </a:solidFill>
+                <a:latin typeface="맑은 고딕" panose="020B0503020000020004" pitchFamily="50" charset="-127"/>
+                <a:ea typeface="맑은 고딕" panose="020B0503020000020004" pitchFamily="50" charset="-127"/>
+              </a:rPr>
+              <a:t/>
+            </a:r>
+            <a:br>
+              <a:rPr kumimoji="0" lang="en-US" altLang="ko-KR" sz="1400" dirty="0" smtClean="0">
+                <a:solidFill>
+                  <a:prstClr val="black"/>
+                </a:solidFill>
+                <a:latin typeface="맑은 고딕" panose="020B0503020000020004" pitchFamily="50" charset="-127"/>
+                <a:ea typeface="맑은 고딕" panose="020B0503020000020004" pitchFamily="50" charset="-127"/>
+              </a:rPr>
+            </a:br>
+            <a:r>
+              <a:rPr kumimoji="0" lang="en-US" altLang="ko-KR" sz="1400" dirty="0" smtClean="0">
+                <a:solidFill>
+                  <a:prstClr val="black"/>
+                </a:solidFill>
+                <a:latin typeface="맑은 고딕" panose="020B0503020000020004" pitchFamily="50" charset="-127"/>
+                <a:ea typeface="맑은 고딕" panose="020B0503020000020004" pitchFamily="50" charset="-127"/>
+              </a:rPr>
+              <a:t>- </a:t>
+            </a:r>
+            <a:r>
+              <a:rPr kumimoji="0" lang="ko-KR" altLang="en-US" sz="1400" dirty="0" err="1" smtClean="0">
+                <a:solidFill>
+                  <a:prstClr val="black"/>
+                </a:solidFill>
+                <a:latin typeface="맑은 고딕" panose="020B0503020000020004" pitchFamily="50" charset="-127"/>
+                <a:ea typeface="맑은 고딕" panose="020B0503020000020004" pitchFamily="50" charset="-127"/>
+              </a:rPr>
+              <a:t>시크릿모드</a:t>
+            </a:r>
+            <a:r>
+              <a:rPr kumimoji="0" lang="ko-KR" altLang="en-US" sz="1400" dirty="0">
+                <a:solidFill>
+                  <a:prstClr val="black"/>
+                </a:solidFill>
+                <a:latin typeface="맑은 고딕" panose="020B0503020000020004" pitchFamily="50" charset="-127"/>
+                <a:ea typeface="맑은 고딕" panose="020B0503020000020004" pitchFamily="50" charset="-127"/>
+              </a:rPr>
+              <a:t> </a:t>
+            </a:r>
+            <a:r>
+              <a:rPr kumimoji="0" lang="ko-KR" altLang="en-US" sz="1400" dirty="0" smtClean="0">
+                <a:solidFill>
+                  <a:prstClr val="black"/>
+                </a:solidFill>
+                <a:latin typeface="맑은 고딕" panose="020B0503020000020004" pitchFamily="50" charset="-127"/>
+                <a:ea typeface="맑은 고딕" panose="020B0503020000020004" pitchFamily="50" charset="-127"/>
+              </a:rPr>
+              <a:t>허용 </a:t>
+            </a:r>
+            <a:r>
+              <a:rPr kumimoji="0" lang="en-US" altLang="ko-KR" sz="1400" dirty="0" smtClean="0">
+                <a:solidFill>
+                  <a:prstClr val="black"/>
+                </a:solidFill>
+                <a:latin typeface="맑은 고딕" panose="020B0503020000020004" pitchFamily="50" charset="-127"/>
+                <a:ea typeface="맑은 고딕" panose="020B0503020000020004" pitchFamily="50" charset="-127"/>
+              </a:rPr>
+              <a:t>: on (</a:t>
+            </a:r>
+            <a:r>
+              <a:rPr kumimoji="0" lang="ko-KR" altLang="en-US" sz="1400" dirty="0" smtClean="0">
+                <a:solidFill>
+                  <a:prstClr val="black"/>
+                </a:solidFill>
+                <a:latin typeface="맑은 고딕" panose="020B0503020000020004" pitchFamily="50" charset="-127"/>
+                <a:ea typeface="맑은 고딕" panose="020B0503020000020004" pitchFamily="50" charset="-127"/>
+              </a:rPr>
+              <a:t>필요시</a:t>
+            </a:r>
+            <a:r>
+              <a:rPr kumimoji="0" lang="en-US" altLang="ko-KR" sz="1400" dirty="0" smtClean="0">
+                <a:solidFill>
+                  <a:prstClr val="black"/>
+                </a:solidFill>
+                <a:latin typeface="맑은 고딕" panose="020B0503020000020004" pitchFamily="50" charset="-127"/>
+                <a:ea typeface="맑은 고딕" panose="020B0503020000020004" pitchFamily="50" charset="-127"/>
+              </a:rPr>
+              <a:t>)</a:t>
+            </a:r>
+            <a:br>
+              <a:rPr kumimoji="0" lang="en-US" altLang="ko-KR" sz="1400" dirty="0" smtClean="0">
+                <a:solidFill>
+                  <a:prstClr val="black"/>
+                </a:solidFill>
+                <a:latin typeface="맑은 고딕" panose="020B0503020000020004" pitchFamily="50" charset="-127"/>
+                <a:ea typeface="맑은 고딕" panose="020B0503020000020004" pitchFamily="50" charset="-127"/>
+              </a:rPr>
+            </a:br>
+            <a:r>
+              <a:rPr kumimoji="0" lang="en-US" altLang="ko-KR" sz="1400" dirty="0" smtClean="0">
+                <a:solidFill>
+                  <a:prstClr val="black"/>
+                </a:solidFill>
+                <a:latin typeface="맑은 고딕" panose="020B0503020000020004" pitchFamily="50" charset="-127"/>
+                <a:ea typeface="맑은 고딕" panose="020B0503020000020004" pitchFamily="50" charset="-127"/>
+              </a:rPr>
+              <a:t>- </a:t>
+            </a:r>
+            <a:r>
+              <a:rPr kumimoji="0" lang="ko-KR" altLang="en-US" sz="1400" dirty="0" smtClean="0">
+                <a:solidFill>
+                  <a:prstClr val="black"/>
+                </a:solidFill>
+                <a:latin typeface="맑은 고딕" panose="020B0503020000020004" pitchFamily="50" charset="-127"/>
+                <a:ea typeface="맑은 고딕" panose="020B0503020000020004" pitchFamily="50" charset="-127"/>
+              </a:rPr>
+              <a:t>파일 </a:t>
+            </a:r>
+            <a:r>
+              <a:rPr kumimoji="0" lang="en-US" altLang="ko-KR" sz="1400" dirty="0" smtClean="0">
+                <a:solidFill>
+                  <a:prstClr val="black"/>
+                </a:solidFill>
+                <a:latin typeface="맑은 고딕" panose="020B0503020000020004" pitchFamily="50" charset="-127"/>
+                <a:ea typeface="맑은 고딕" panose="020B0503020000020004" pitchFamily="50" charset="-127"/>
+              </a:rPr>
+              <a:t>URL</a:t>
+            </a:r>
+            <a:r>
+              <a:rPr kumimoji="0" lang="ko-KR" altLang="en-US" sz="1400" dirty="0" smtClean="0">
+                <a:solidFill>
+                  <a:prstClr val="black"/>
+                </a:solidFill>
+                <a:latin typeface="맑은 고딕" panose="020B0503020000020004" pitchFamily="50" charset="-127"/>
+                <a:ea typeface="맑은 고딕" panose="020B0503020000020004" pitchFamily="50" charset="-127"/>
+              </a:rPr>
+              <a:t>에 대한 </a:t>
+            </a:r>
+            <a:r>
+              <a:rPr kumimoji="0" lang="ko-KR" altLang="en-US" sz="1400" dirty="0" err="1" smtClean="0">
+                <a:solidFill>
+                  <a:prstClr val="black"/>
+                </a:solidFill>
+                <a:latin typeface="맑은 고딕" panose="020B0503020000020004" pitchFamily="50" charset="-127"/>
+                <a:ea typeface="맑은 고딕" panose="020B0503020000020004" pitchFamily="50" charset="-127"/>
+              </a:rPr>
+              <a:t>엑세스</a:t>
+            </a:r>
+            <a:r>
+              <a:rPr kumimoji="0" lang="ko-KR" altLang="en-US" sz="1400" dirty="0" smtClean="0">
+                <a:solidFill>
+                  <a:prstClr val="black"/>
+                </a:solidFill>
+                <a:latin typeface="맑은 고딕" panose="020B0503020000020004" pitchFamily="50" charset="-127"/>
+                <a:ea typeface="맑은 고딕" panose="020B0503020000020004" pitchFamily="50" charset="-127"/>
+              </a:rPr>
+              <a:t> 허용</a:t>
+            </a:r>
+            <a:r>
+              <a:rPr kumimoji="0" lang="en-US" altLang="ko-KR" sz="1400" dirty="0" smtClean="0">
+                <a:solidFill>
+                  <a:prstClr val="black"/>
+                </a:solidFill>
+                <a:latin typeface="맑은 고딕" panose="020B0503020000020004" pitchFamily="50" charset="-127"/>
+                <a:ea typeface="맑은 고딕" panose="020B0503020000020004" pitchFamily="50" charset="-127"/>
+              </a:rPr>
+              <a:t>: on</a:t>
+            </a:r>
+          </a:p>
+          <a:p>
+            <a:pPr marL="263525" lvl="0" indent="-263525" eaLnBrk="1" fontAlgn="auto" latinLnBrk="1" hangingPunct="1">
+              <a:lnSpc>
+                <a:spcPts val="1800"/>
+              </a:lnSpc>
+              <a:spcBef>
+                <a:spcPts val="0"/>
+              </a:spcBef>
+              <a:spcAft>
+                <a:spcPts val="0"/>
+              </a:spcAft>
+              <a:buFont typeface="Symbol" panose="05050102010706020507" pitchFamily="18" charset="2"/>
+              <a:buChar char="Þ"/>
+              <a:defRPr/>
+            </a:pPr>
+            <a:endParaRPr kumimoji="0" lang="en-US" altLang="ko-KR" sz="1400" dirty="0">
+              <a:solidFill>
+                <a:prstClr val="black"/>
+              </a:solidFill>
+              <a:latin typeface="맑은 고딕" panose="020B0503020000020004" pitchFamily="50" charset="-127"/>
+              <a:ea typeface="맑은 고딕" panose="020B0503020000020004" pitchFamily="50" charset="-127"/>
+            </a:endParaRPr>
+          </a:p>
+          <a:p>
+            <a:pPr marL="263525" lvl="0" indent="-263525" eaLnBrk="1" fontAlgn="auto" latinLnBrk="1" hangingPunct="1">
+              <a:lnSpc>
+                <a:spcPts val="1800"/>
+              </a:lnSpc>
+              <a:spcBef>
+                <a:spcPts val="0"/>
+              </a:spcBef>
+              <a:spcAft>
+                <a:spcPts val="0"/>
+              </a:spcAft>
+              <a:buFont typeface="Symbol" panose="05050102010706020507" pitchFamily="18" charset="2"/>
+              <a:buChar char="Þ"/>
+              <a:defRPr/>
+            </a:pPr>
+            <a:r>
+              <a:rPr kumimoji="0" lang="ko-KR" altLang="en-US" sz="1400" dirty="0" err="1" smtClean="0">
+                <a:solidFill>
+                  <a:prstClr val="black"/>
+                </a:solidFill>
+                <a:latin typeface="맑은 고딕" panose="020B0503020000020004" pitchFamily="50" charset="-127"/>
+                <a:ea typeface="맑은 고딕" panose="020B0503020000020004" pitchFamily="50" charset="-127"/>
+              </a:rPr>
+              <a:t>개발자도구</a:t>
+            </a:r>
+            <a:r>
+              <a:rPr kumimoji="0" lang="ko-KR" altLang="en-US" sz="1400" dirty="0" smtClean="0">
+                <a:solidFill>
+                  <a:prstClr val="black"/>
+                </a:solidFill>
+                <a:latin typeface="맑은 고딕" panose="020B0503020000020004" pitchFamily="50" charset="-127"/>
+                <a:ea typeface="맑은 고딕" panose="020B0503020000020004" pitchFamily="50" charset="-127"/>
+              </a:rPr>
+              <a:t> 실행</a:t>
+            </a:r>
+            <a:r>
+              <a:rPr kumimoji="0" lang="en-US" altLang="ko-KR" sz="1400" dirty="0" smtClean="0">
+                <a:solidFill>
+                  <a:prstClr val="black"/>
+                </a:solidFill>
+                <a:latin typeface="맑은 고딕" panose="020B0503020000020004" pitchFamily="50" charset="-127"/>
+                <a:ea typeface="맑은 고딕" panose="020B0503020000020004" pitchFamily="50" charset="-127"/>
+              </a:rPr>
+              <a:t/>
+            </a:r>
+            <a:br>
+              <a:rPr kumimoji="0" lang="en-US" altLang="ko-KR" sz="1400" dirty="0" smtClean="0">
+                <a:solidFill>
+                  <a:prstClr val="black"/>
+                </a:solidFill>
+                <a:latin typeface="맑은 고딕" panose="020B0503020000020004" pitchFamily="50" charset="-127"/>
+                <a:ea typeface="맑은 고딕" panose="020B0503020000020004" pitchFamily="50" charset="-127"/>
+              </a:rPr>
+            </a:br>
+            <a:r>
+              <a:rPr kumimoji="0" lang="en-US" altLang="ko-KR" sz="1400" dirty="0" smtClean="0">
+                <a:solidFill>
+                  <a:prstClr val="black"/>
+                </a:solidFill>
+                <a:latin typeface="맑은 고딕" panose="020B0503020000020004" pitchFamily="50" charset="-127"/>
+                <a:ea typeface="맑은 고딕" panose="020B0503020000020004" pitchFamily="50" charset="-127"/>
+              </a:rPr>
+              <a:t>- </a:t>
+            </a:r>
+            <a:r>
+              <a:rPr kumimoji="0" lang="en-US" altLang="ko-KR" sz="1400" b="1" dirty="0" smtClean="0">
+                <a:solidFill>
+                  <a:prstClr val="black"/>
+                </a:solidFill>
+                <a:latin typeface="맑은 고딕" panose="020B0503020000020004" pitchFamily="50" charset="-127"/>
+                <a:ea typeface="맑은 고딕" panose="020B0503020000020004" pitchFamily="50" charset="-127"/>
+              </a:rPr>
+              <a:t>Components</a:t>
+            </a:r>
+            <a:r>
+              <a:rPr kumimoji="0" lang="en-US" altLang="ko-KR" sz="1400" dirty="0" smtClean="0">
+                <a:solidFill>
+                  <a:prstClr val="black"/>
+                </a:solidFill>
+                <a:latin typeface="맑은 고딕" panose="020B0503020000020004" pitchFamily="50" charset="-127"/>
+                <a:ea typeface="맑은 고딕" panose="020B0503020000020004" pitchFamily="50" charset="-127"/>
+              </a:rPr>
+              <a:t/>
+            </a:r>
+            <a:br>
+              <a:rPr kumimoji="0" lang="en-US" altLang="ko-KR" sz="1400" dirty="0" smtClean="0">
+                <a:solidFill>
+                  <a:prstClr val="black"/>
+                </a:solidFill>
+                <a:latin typeface="맑은 고딕" panose="020B0503020000020004" pitchFamily="50" charset="-127"/>
+                <a:ea typeface="맑은 고딕" panose="020B0503020000020004" pitchFamily="50" charset="-127"/>
+              </a:rPr>
+            </a:br>
+            <a:r>
+              <a:rPr kumimoji="0" lang="en-US" altLang="ko-KR" sz="1400" dirty="0" smtClean="0">
+                <a:solidFill>
+                  <a:prstClr val="black"/>
+                </a:solidFill>
+                <a:latin typeface="맑은 고딕" panose="020B0503020000020004" pitchFamily="50" charset="-127"/>
+                <a:ea typeface="맑은 고딕" panose="020B0503020000020004" pitchFamily="50" charset="-127"/>
+              </a:rPr>
+              <a:t>  </a:t>
+            </a:r>
+            <a:r>
+              <a:rPr kumimoji="0" lang="ko-KR" altLang="en-US" sz="1400" dirty="0" err="1" smtClean="0">
+                <a:solidFill>
+                  <a:prstClr val="black"/>
+                </a:solidFill>
+                <a:latin typeface="맑은 고딕" panose="020B0503020000020004" pitchFamily="50" charset="-127"/>
+                <a:ea typeface="맑은 고딕" panose="020B0503020000020004" pitchFamily="50" charset="-127"/>
+              </a:rPr>
+              <a:t>현재앱의</a:t>
+            </a:r>
+            <a:r>
+              <a:rPr kumimoji="0" lang="en-US" altLang="ko-KR" sz="1400" dirty="0" smtClean="0">
+                <a:solidFill>
+                  <a:prstClr val="black"/>
+                </a:solidFill>
+                <a:latin typeface="맑은 고딕" panose="020B0503020000020004" pitchFamily="50" charset="-127"/>
+                <a:ea typeface="맑은 고딕" panose="020B0503020000020004" pitchFamily="50" charset="-127"/>
+              </a:rPr>
+              <a:t> </a:t>
+            </a:r>
+            <a:r>
+              <a:rPr kumimoji="0" lang="ko-KR" altLang="en-US" sz="1400" dirty="0" smtClean="0">
+                <a:solidFill>
+                  <a:prstClr val="black"/>
+                </a:solidFill>
+                <a:latin typeface="맑은 고딕" panose="020B0503020000020004" pitchFamily="50" charset="-127"/>
+                <a:ea typeface="맑은 고딕" panose="020B0503020000020004" pitchFamily="50" charset="-127"/>
+              </a:rPr>
+              <a:t>컴포넌트 트리와 </a:t>
+            </a:r>
+            <a:r>
+              <a:rPr kumimoji="0" lang="en-US" altLang="ko-KR" sz="1400" dirty="0" smtClean="0">
+                <a:solidFill>
+                  <a:prstClr val="black"/>
+                </a:solidFill>
+                <a:latin typeface="맑은 고딕" panose="020B0503020000020004" pitchFamily="50" charset="-127"/>
+                <a:ea typeface="맑은 고딕" panose="020B0503020000020004" pitchFamily="50" charset="-127"/>
+              </a:rPr>
+              <a:t/>
+            </a:r>
+            <a:br>
+              <a:rPr kumimoji="0" lang="en-US" altLang="ko-KR" sz="1400" dirty="0" smtClean="0">
+                <a:solidFill>
+                  <a:prstClr val="black"/>
+                </a:solidFill>
+                <a:latin typeface="맑은 고딕" panose="020B0503020000020004" pitchFamily="50" charset="-127"/>
+                <a:ea typeface="맑은 고딕" panose="020B0503020000020004" pitchFamily="50" charset="-127"/>
+              </a:rPr>
+            </a:br>
+            <a:r>
+              <a:rPr kumimoji="0" lang="en-US" altLang="ko-KR" sz="1400" dirty="0" smtClean="0">
+                <a:solidFill>
+                  <a:prstClr val="black"/>
+                </a:solidFill>
+                <a:latin typeface="맑은 고딕" panose="020B0503020000020004" pitchFamily="50" charset="-127"/>
+                <a:ea typeface="맑은 고딕" panose="020B0503020000020004" pitchFamily="50" charset="-127"/>
+              </a:rPr>
+              <a:t>  State </a:t>
+            </a:r>
+            <a:r>
+              <a:rPr kumimoji="0" lang="ko-KR" altLang="en-US" sz="1400" dirty="0" smtClean="0">
+                <a:solidFill>
+                  <a:prstClr val="black"/>
+                </a:solidFill>
+                <a:latin typeface="맑은 고딕" panose="020B0503020000020004" pitchFamily="50" charset="-127"/>
+                <a:ea typeface="맑은 고딕" panose="020B0503020000020004" pitchFamily="50" charset="-127"/>
+              </a:rPr>
+              <a:t>등의</a:t>
+            </a:r>
+            <a:r>
+              <a:rPr kumimoji="0" lang="en-US" altLang="ko-KR" sz="1400" dirty="0" smtClean="0">
+                <a:solidFill>
+                  <a:prstClr val="black"/>
+                </a:solidFill>
+                <a:latin typeface="맑은 고딕" panose="020B0503020000020004" pitchFamily="50" charset="-127"/>
+                <a:ea typeface="맑은 고딕" panose="020B0503020000020004" pitchFamily="50" charset="-127"/>
+              </a:rPr>
+              <a:t> </a:t>
+            </a:r>
+            <a:r>
+              <a:rPr kumimoji="0" lang="ko-KR" altLang="en-US" sz="1400" dirty="0" smtClean="0">
+                <a:solidFill>
+                  <a:prstClr val="black"/>
+                </a:solidFill>
+                <a:latin typeface="맑은 고딕" panose="020B0503020000020004" pitchFamily="50" charset="-127"/>
+                <a:ea typeface="맑은 고딕" panose="020B0503020000020004" pitchFamily="50" charset="-127"/>
+              </a:rPr>
+              <a:t>정보 확인가능 </a:t>
+            </a:r>
+            <a:r>
+              <a:rPr kumimoji="0" lang="en-US" altLang="ko-KR" sz="1400" dirty="0" smtClean="0">
+                <a:solidFill>
+                  <a:prstClr val="black"/>
+                </a:solidFill>
+                <a:latin typeface="맑은 고딕" panose="020B0503020000020004" pitchFamily="50" charset="-127"/>
+                <a:ea typeface="맑은 고딕" panose="020B0503020000020004" pitchFamily="50" charset="-127"/>
+              </a:rPr>
+              <a:t/>
+            </a:r>
+            <a:br>
+              <a:rPr kumimoji="0" lang="en-US" altLang="ko-KR" sz="1400" dirty="0" smtClean="0">
+                <a:solidFill>
+                  <a:prstClr val="black"/>
+                </a:solidFill>
+                <a:latin typeface="맑은 고딕" panose="020B0503020000020004" pitchFamily="50" charset="-127"/>
+                <a:ea typeface="맑은 고딕" panose="020B0503020000020004" pitchFamily="50" charset="-127"/>
+              </a:rPr>
+            </a:br>
+            <a:r>
+              <a:rPr kumimoji="0" lang="en-US" altLang="ko-KR" sz="1400" dirty="0" smtClean="0">
+                <a:solidFill>
+                  <a:prstClr val="black"/>
+                </a:solidFill>
+                <a:latin typeface="맑은 고딕" panose="020B0503020000020004" pitchFamily="50" charset="-127"/>
+                <a:ea typeface="맑은 고딕" panose="020B0503020000020004" pitchFamily="50" charset="-127"/>
+              </a:rPr>
+              <a:t/>
+            </a:r>
+            <a:br>
+              <a:rPr kumimoji="0" lang="en-US" altLang="ko-KR" sz="1400" dirty="0" smtClean="0">
+                <a:solidFill>
+                  <a:prstClr val="black"/>
+                </a:solidFill>
+                <a:latin typeface="맑은 고딕" panose="020B0503020000020004" pitchFamily="50" charset="-127"/>
+                <a:ea typeface="맑은 고딕" panose="020B0503020000020004" pitchFamily="50" charset="-127"/>
+              </a:rPr>
+            </a:br>
+            <a:r>
+              <a:rPr kumimoji="0" lang="en-US" altLang="ko-KR" sz="1400" dirty="0" smtClean="0">
+                <a:solidFill>
+                  <a:prstClr val="black"/>
+                </a:solidFill>
+                <a:latin typeface="맑은 고딕" panose="020B0503020000020004" pitchFamily="50" charset="-127"/>
+                <a:ea typeface="맑은 고딕" panose="020B0503020000020004" pitchFamily="50" charset="-127"/>
+              </a:rPr>
+              <a:t>- Profiler </a:t>
+            </a:r>
+            <a:br>
+              <a:rPr kumimoji="0" lang="en-US" altLang="ko-KR" sz="1400" dirty="0" smtClean="0">
+                <a:solidFill>
+                  <a:prstClr val="black"/>
+                </a:solidFill>
+                <a:latin typeface="맑은 고딕" panose="020B0503020000020004" pitchFamily="50" charset="-127"/>
+                <a:ea typeface="맑은 고딕" panose="020B0503020000020004" pitchFamily="50" charset="-127"/>
+              </a:rPr>
+            </a:br>
+            <a:r>
+              <a:rPr kumimoji="0" lang="en-US" altLang="ko-KR" sz="1400" dirty="0" smtClean="0">
+                <a:solidFill>
+                  <a:prstClr val="black"/>
+                </a:solidFill>
+                <a:latin typeface="맑은 고딕" panose="020B0503020000020004" pitchFamily="50" charset="-127"/>
+                <a:ea typeface="맑은 고딕" panose="020B0503020000020004" pitchFamily="50" charset="-127"/>
+              </a:rPr>
+              <a:t>  </a:t>
+            </a:r>
+            <a:r>
+              <a:rPr kumimoji="0" lang="ko-KR" altLang="en-US" sz="1400" dirty="0" smtClean="0">
+                <a:solidFill>
+                  <a:prstClr val="black"/>
+                </a:solidFill>
+                <a:latin typeface="맑은 고딕" panose="020B0503020000020004" pitchFamily="50" charset="-127"/>
+                <a:ea typeface="맑은 고딕" panose="020B0503020000020004" pitchFamily="50" charset="-127"/>
+              </a:rPr>
+              <a:t>컴포넌트의 </a:t>
+            </a:r>
+            <a:r>
+              <a:rPr kumimoji="0" lang="ko-KR" altLang="en-US" sz="1400" dirty="0" err="1" smtClean="0">
+                <a:solidFill>
+                  <a:prstClr val="black"/>
+                </a:solidFill>
+                <a:latin typeface="맑은 고딕" panose="020B0503020000020004" pitchFamily="50" charset="-127"/>
+                <a:ea typeface="맑은 고딕" panose="020B0503020000020004" pitchFamily="50" charset="-127"/>
+              </a:rPr>
+              <a:t>랜더링</a:t>
+            </a:r>
+            <a:r>
+              <a:rPr kumimoji="0" lang="ko-KR" altLang="en-US" sz="1400" dirty="0" smtClean="0">
+                <a:solidFill>
+                  <a:prstClr val="black"/>
+                </a:solidFill>
+                <a:latin typeface="맑은 고딕" panose="020B0503020000020004" pitchFamily="50" charset="-127"/>
+                <a:ea typeface="맑은 고딕" panose="020B0503020000020004" pitchFamily="50" charset="-127"/>
+              </a:rPr>
+              <a:t> 성능 측정</a:t>
+            </a:r>
+            <a:r>
+              <a:rPr kumimoji="0" lang="en-US" altLang="ko-KR" sz="1400" b="1" i="0" u="none" strike="noStrike" kern="1200" cap="none" spc="0" normalizeH="0" baseline="0" noProof="0" dirty="0" smtClean="0">
+                <a:ln>
+                  <a:noFill/>
+                </a:ln>
+                <a:solidFill>
+                  <a:prstClr val="black"/>
+                </a:solidFill>
+                <a:effectLst/>
+                <a:uLnTx/>
+                <a:uFillTx/>
+                <a:latin typeface="맑은 고딕" panose="020B0503020000020004" pitchFamily="50" charset="-127"/>
+                <a:ea typeface="맑은 고딕" panose="020B0503020000020004" pitchFamily="50" charset="-127"/>
+                <a:cs typeface="+mn-cs"/>
+              </a:rPr>
+              <a:t/>
+            </a:r>
+            <a:br>
+              <a:rPr kumimoji="0" lang="en-US" altLang="ko-KR" sz="1400" b="1" i="0" u="none" strike="noStrike" kern="1200" cap="none" spc="0" normalizeH="0" baseline="0" noProof="0" dirty="0" smtClean="0">
+                <a:ln>
+                  <a:noFill/>
+                </a:ln>
+                <a:solidFill>
+                  <a:prstClr val="black"/>
+                </a:solidFill>
+                <a:effectLst/>
+                <a:uLnTx/>
+                <a:uFillTx/>
+                <a:latin typeface="맑은 고딕" panose="020B0503020000020004" pitchFamily="50" charset="-127"/>
+                <a:ea typeface="맑은 고딕" panose="020B0503020000020004" pitchFamily="50" charset="-127"/>
+                <a:cs typeface="+mn-cs"/>
+              </a:rPr>
+            </a:br>
+            <a:r>
+              <a:rPr kumimoji="0" lang="en-US" altLang="ko-KR" sz="1400" b="1" i="0" u="none" strike="noStrike" kern="1200" cap="none" spc="0" normalizeH="0" baseline="0" noProof="0" dirty="0" smtClean="0">
+                <a:ln>
+                  <a:noFill/>
+                </a:ln>
+                <a:solidFill>
+                  <a:prstClr val="black"/>
+                </a:solidFill>
+                <a:effectLst/>
+                <a:uLnTx/>
+                <a:uFillTx/>
+                <a:latin typeface="맑은 고딕" panose="020B0503020000020004" pitchFamily="50" charset="-127"/>
+                <a:ea typeface="맑은 고딕" panose="020B0503020000020004" pitchFamily="50" charset="-127"/>
+                <a:cs typeface="+mn-cs"/>
+              </a:rPr>
+              <a:t/>
+            </a:r>
+            <a:br>
+              <a:rPr kumimoji="0" lang="en-US" altLang="ko-KR" sz="1400" b="1" i="0" u="none" strike="noStrike" kern="1200" cap="none" spc="0" normalizeH="0" baseline="0" noProof="0" dirty="0" smtClean="0">
+                <a:ln>
+                  <a:noFill/>
+                </a:ln>
+                <a:solidFill>
+                  <a:prstClr val="black"/>
+                </a:solidFill>
+                <a:effectLst/>
+                <a:uLnTx/>
+                <a:uFillTx/>
+                <a:latin typeface="맑은 고딕" panose="020B0503020000020004" pitchFamily="50" charset="-127"/>
+                <a:ea typeface="맑은 고딕" panose="020B0503020000020004" pitchFamily="50" charset="-127"/>
+                <a:cs typeface="+mn-cs"/>
+              </a:rPr>
+            </a:br>
+            <a:endParaRPr kumimoji="0" lang="en-US" altLang="ko-KR" sz="1200" b="0" i="0" u="none" strike="noStrike" kern="1200" cap="none" spc="0" normalizeH="0" baseline="0" noProof="0" dirty="0" smtClean="0">
+              <a:ln>
+                <a:noFill/>
+              </a:ln>
+              <a:solidFill>
+                <a:prstClr val="black"/>
+              </a:solidFill>
+              <a:effectLst/>
+              <a:uLnTx/>
+              <a:uFillTx/>
+              <a:latin typeface="맑은 고딕" panose="020B0503020000020004" pitchFamily="50" charset="-127"/>
+              <a:ea typeface="맑은 고딕" panose="020B0503020000020004" pitchFamily="50" charset="-127"/>
+              <a:cs typeface="+mn-cs"/>
+            </a:endParaRPr>
+          </a:p>
+        </p:txBody>
+      </p:sp>
+      <p:pic>
+        <p:nvPicPr>
+          <p:cNvPr id="2" name="그림 1"/>
+          <p:cNvPicPr>
+            <a:picLocks noChangeAspect="1"/>
+          </p:cNvPicPr>
+          <p:nvPr/>
+        </p:nvPicPr>
+        <p:blipFill>
+          <a:blip r:embed="rId2"/>
+          <a:stretch>
+            <a:fillRect/>
+          </a:stretch>
+        </p:blipFill>
+        <p:spPr>
+          <a:xfrm>
+            <a:off x="4067944" y="620688"/>
+            <a:ext cx="4680520" cy="5552582"/>
+          </a:xfrm>
+          <a:prstGeom prst="rect">
+            <a:avLst/>
+          </a:prstGeom>
+        </p:spPr>
+      </p:pic>
+    </p:spTree>
+    <p:extLst>
+      <p:ext uri="{BB962C8B-B14F-4D97-AF65-F5344CB8AC3E}">
+        <p14:creationId xmlns:p14="http://schemas.microsoft.com/office/powerpoint/2010/main" val="1659434762"/>
+      </p:ext>
+    </p:extLst>
+  </p:cSld>
+  <p:clrMapOvr>
+    <a:masterClrMapping/>
+  </p:clrMapOvr>
+</p:sld>
+</file>
+
+<file path=ppt/slides/slide14.xml><?xml version="1.0" encoding="utf-8"?>
+<p:sld xmlns:a="http://schemas.openxmlformats.org/drawingml/2006/main" xmlns:r="http://schemas.openxmlformats.org/officeDocument/2006/relationships" xmlns:p="http://schemas.openxmlformats.org/presentationml/2006/main">
+  <p:cSld>
+    <p:spTree>
+      <p:nvGrpSpPr>
+        <p:cNvPr id="1" name=""/>
+        <p:cNvGrpSpPr/>
+        <p:nvPr/>
+      </p:nvGrpSpPr>
+      <p:grpSpPr>
+        <a:xfrm>
+          <a:off x="0" y="0"/>
+          <a:ext cx="0" cy="0"/>
+          <a:chOff x="0" y="0"/>
+          <a:chExt cx="0" cy="0"/>
+        </a:xfrm>
+      </p:grpSpPr>
+      <p:sp>
+        <p:nvSpPr>
+          <p:cNvPr id="5" name="직사각형 4"/>
+          <p:cNvSpPr/>
+          <p:nvPr/>
+        </p:nvSpPr>
+        <p:spPr>
+          <a:xfrm>
+            <a:off x="107504" y="260648"/>
+            <a:ext cx="6120680" cy="1015663"/>
+          </a:xfrm>
+          <a:prstGeom prst="rect">
+            <a:avLst/>
+          </a:prstGeom>
+        </p:spPr>
+        <p:txBody>
+          <a:bodyPr wrap="square">
+            <a:spAutoFit/>
+          </a:bodyPr>
+          <a:lstStyle/>
+          <a:p>
+            <a:pPr marL="174625" lvl="0" indent="-174625" eaLnBrk="1" fontAlgn="auto" latinLnBrk="1" hangingPunct="1">
+              <a:lnSpc>
+                <a:spcPts val="1800"/>
+              </a:lnSpc>
+              <a:spcBef>
+                <a:spcPts val="0"/>
+              </a:spcBef>
+              <a:spcAft>
+                <a:spcPts val="0"/>
+              </a:spcAft>
+              <a:defRPr/>
+            </a:pPr>
+            <a:endParaRPr kumimoji="0" lang="en-US" altLang="ko-KR" sz="1400" dirty="0" smtClean="0">
+              <a:solidFill>
+                <a:prstClr val="black"/>
+              </a:solidFill>
+              <a:latin typeface="맑은 고딕" panose="020B0503020000020004" pitchFamily="50" charset="-127"/>
+              <a:ea typeface="맑은 고딕" panose="020B0503020000020004" pitchFamily="50" charset="-127"/>
+            </a:endParaRPr>
+          </a:p>
+          <a:p>
+            <a:pPr lvl="0" eaLnBrk="1" fontAlgn="auto" latinLnBrk="1" hangingPunct="1">
+              <a:lnSpc>
+                <a:spcPts val="1800"/>
+              </a:lnSpc>
+              <a:spcBef>
+                <a:spcPts val="0"/>
+              </a:spcBef>
+              <a:spcAft>
+                <a:spcPts val="0"/>
+              </a:spcAft>
+              <a:defRPr/>
+            </a:pPr>
+            <a:r>
+              <a:rPr kumimoji="0" lang="en-US" altLang="ko-KR" b="1" dirty="0" smtClean="0">
+                <a:solidFill>
+                  <a:prstClr val="black"/>
+                </a:solidFill>
+                <a:latin typeface="맑은 고딕" panose="020B0503020000020004" pitchFamily="50" charset="-127"/>
+                <a:ea typeface="맑은 고딕" panose="020B0503020000020004" pitchFamily="50" charset="-127"/>
+              </a:rPr>
+              <a:t>** </a:t>
+            </a:r>
+            <a:r>
+              <a:rPr kumimoji="0" lang="en-US" altLang="ko-KR" b="1" dirty="0" err="1" smtClean="0">
+                <a:solidFill>
+                  <a:prstClr val="black"/>
+                </a:solidFill>
+                <a:latin typeface="맑은 고딕" panose="020B0503020000020004" pitchFamily="50" charset="-127"/>
+                <a:ea typeface="맑은 고딕" panose="020B0503020000020004" pitchFamily="50" charset="-127"/>
+              </a:rPr>
+              <a:t>Todolist</a:t>
+            </a:r>
+            <a:r>
+              <a:rPr kumimoji="0" lang="ko-KR" altLang="en-US" b="1" dirty="0" smtClean="0">
+                <a:solidFill>
+                  <a:prstClr val="black"/>
+                </a:solidFill>
+                <a:latin typeface="맑은 고딕" panose="020B0503020000020004" pitchFamily="50" charset="-127"/>
+                <a:ea typeface="맑은 고딕" panose="020B0503020000020004" pitchFamily="50" charset="-127"/>
+              </a:rPr>
+              <a:t>  </a:t>
+            </a:r>
+            <a:r>
+              <a:rPr kumimoji="0" lang="ko-KR" altLang="en-US" b="1" dirty="0" smtClean="0">
+                <a:solidFill>
+                  <a:prstClr val="black"/>
+                </a:solidFill>
+                <a:latin typeface="맑은 고딕" panose="020B0503020000020004" pitchFamily="50" charset="-127"/>
+                <a:ea typeface="맑은 고딕" panose="020B0503020000020004" pitchFamily="50" charset="-127"/>
+              </a:rPr>
+              <a:t>만들기 </a:t>
+            </a:r>
+            <a:r>
+              <a:rPr kumimoji="0" lang="en-US" altLang="ko-KR" b="1" dirty="0" smtClean="0">
+                <a:solidFill>
+                  <a:prstClr val="black"/>
+                </a:solidFill>
+                <a:latin typeface="맑은 고딕" panose="020B0503020000020004" pitchFamily="50" charset="-127"/>
+                <a:ea typeface="맑은 고딕" panose="020B0503020000020004" pitchFamily="50" charset="-127"/>
+              </a:rPr>
+              <a:t>( </a:t>
+            </a:r>
+            <a:r>
+              <a:rPr kumimoji="0" lang="en-US" altLang="ko-KR" b="1" dirty="0" smtClean="0">
+                <a:solidFill>
+                  <a:srgbClr val="C00000"/>
+                </a:solidFill>
+                <a:latin typeface="맑은 고딕" panose="020B0503020000020004" pitchFamily="50" charset="-127"/>
+                <a:ea typeface="맑은 고딕" panose="020B0503020000020004" pitchFamily="50" charset="-127"/>
+              </a:rPr>
+              <a:t>Create Read Update Delete </a:t>
+            </a:r>
+            <a:r>
+              <a:rPr kumimoji="0" lang="ko-KR" altLang="en-US" b="1" dirty="0" smtClean="0">
+                <a:solidFill>
+                  <a:prstClr val="black"/>
+                </a:solidFill>
+                <a:latin typeface="맑은 고딕" panose="020B0503020000020004" pitchFamily="50" charset="-127"/>
+                <a:ea typeface="맑은 고딕" panose="020B0503020000020004" pitchFamily="50" charset="-127"/>
+              </a:rPr>
+              <a:t>구현</a:t>
+            </a:r>
+            <a:r>
+              <a:rPr kumimoji="0" lang="en-US" altLang="ko-KR" b="1" dirty="0" smtClean="0">
+                <a:solidFill>
+                  <a:prstClr val="black"/>
+                </a:solidFill>
+                <a:latin typeface="맑은 고딕" panose="020B0503020000020004" pitchFamily="50" charset="-127"/>
+                <a:ea typeface="맑은 고딕" panose="020B0503020000020004" pitchFamily="50" charset="-127"/>
+              </a:rPr>
+              <a:t> )</a:t>
+            </a:r>
+            <a:endParaRPr kumimoji="0" lang="en-US" altLang="ko-KR" b="1" dirty="0">
+              <a:solidFill>
+                <a:prstClr val="black"/>
+              </a:solidFill>
+              <a:latin typeface="맑은 고딕" panose="020B0503020000020004" pitchFamily="50" charset="-127"/>
+              <a:ea typeface="맑은 고딕" panose="020B0503020000020004" pitchFamily="50" charset="-127"/>
+            </a:endParaRPr>
+          </a:p>
+          <a:p>
+            <a:pPr lvl="0" eaLnBrk="1" fontAlgn="auto" latinLnBrk="1" hangingPunct="1">
+              <a:lnSpc>
+                <a:spcPts val="1800"/>
+              </a:lnSpc>
+              <a:spcBef>
+                <a:spcPts val="0"/>
+              </a:spcBef>
+              <a:spcAft>
+                <a:spcPts val="0"/>
+              </a:spcAft>
+              <a:defRPr/>
+            </a:pPr>
+            <a:endParaRPr kumimoji="0" lang="en-US" altLang="ko-KR" sz="1400" dirty="0" smtClean="0">
+              <a:solidFill>
+                <a:prstClr val="black"/>
+              </a:solidFill>
+              <a:latin typeface="맑은 고딕" panose="020B0503020000020004" pitchFamily="50" charset="-127"/>
+              <a:ea typeface="맑은 고딕" panose="020B0503020000020004" pitchFamily="50" charset="-127"/>
+            </a:endParaRPr>
+          </a:p>
+          <a:p>
+            <a:pPr lvl="0" eaLnBrk="1" fontAlgn="auto" latinLnBrk="1" hangingPunct="1">
+              <a:lnSpc>
+                <a:spcPts val="1800"/>
+              </a:lnSpc>
+              <a:spcBef>
+                <a:spcPts val="0"/>
+              </a:spcBef>
+              <a:spcAft>
+                <a:spcPts val="0"/>
+              </a:spcAft>
+              <a:defRPr/>
+            </a:pPr>
+            <a:endParaRPr kumimoji="0" lang="en-US" altLang="ko-KR" sz="1400" dirty="0">
+              <a:solidFill>
+                <a:prstClr val="black"/>
+              </a:solidFill>
+              <a:latin typeface="맑은 고딕" panose="020B0503020000020004" pitchFamily="50" charset="-127"/>
+              <a:ea typeface="맑은 고딕" panose="020B0503020000020004" pitchFamily="50" charset="-127"/>
+            </a:endParaRPr>
+          </a:p>
+        </p:txBody>
+      </p:sp>
+      <p:grpSp>
+        <p:nvGrpSpPr>
+          <p:cNvPr id="15" name="그룹 14"/>
+          <p:cNvGrpSpPr/>
+          <p:nvPr/>
+        </p:nvGrpSpPr>
+        <p:grpSpPr>
+          <a:xfrm>
+            <a:off x="521266" y="755412"/>
+            <a:ext cx="8371214" cy="5948238"/>
+            <a:chOff x="521266" y="755412"/>
+            <a:chExt cx="8371214" cy="5948238"/>
+          </a:xfrm>
+        </p:grpSpPr>
+        <p:pic>
+          <p:nvPicPr>
+            <p:cNvPr id="3" name="그림 2"/>
+            <p:cNvPicPr>
+              <a:picLocks noChangeAspect="1"/>
+            </p:cNvPicPr>
+            <p:nvPr/>
+          </p:nvPicPr>
+          <p:blipFill>
+            <a:blip r:embed="rId2"/>
+            <a:stretch>
+              <a:fillRect/>
+            </a:stretch>
+          </p:blipFill>
+          <p:spPr>
+            <a:xfrm>
+              <a:off x="683568" y="1319018"/>
+              <a:ext cx="4606798" cy="5249033"/>
+            </a:xfrm>
+            <a:prstGeom prst="rect">
+              <a:avLst/>
+            </a:prstGeom>
+          </p:spPr>
+        </p:pic>
+        <p:sp>
+          <p:nvSpPr>
+            <p:cNvPr id="4" name="모서리가 둥근 직사각형 3"/>
+            <p:cNvSpPr/>
+            <p:nvPr/>
+          </p:nvSpPr>
+          <p:spPr>
+            <a:xfrm>
+              <a:off x="683568" y="1319018"/>
+              <a:ext cx="4606798" cy="1029862"/>
+            </a:xfrm>
+            <a:prstGeom prst="roundRect">
+              <a:avLst/>
+            </a:prstGeom>
+            <a:noFill/>
+          </p:spPr>
+          <p:style>
+            <a:lnRef idx="2">
+              <a:schemeClr val="accent1">
+                <a:shade val="50000"/>
+              </a:schemeClr>
+            </a:lnRef>
+            <a:fillRef idx="1">
+              <a:schemeClr val="accent1"/>
+            </a:fillRef>
+            <a:effectRef idx="0">
+              <a:schemeClr val="accent1"/>
+            </a:effectRef>
+            <a:fontRef idx="minor">
+              <a:schemeClr val="lt1"/>
+            </a:fontRef>
+          </p:style>
+          <p:txBody>
+            <a:bodyPr rtlCol="0" anchor="ctr"/>
+            <a:lstStyle/>
+            <a:p>
+              <a:pPr algn="ctr"/>
+              <a:endParaRPr lang="ko-KR" altLang="en-US"/>
+            </a:p>
+          </p:txBody>
+        </p:sp>
+        <p:sp>
+          <p:nvSpPr>
+            <p:cNvPr id="6" name="TextBox 5"/>
+            <p:cNvSpPr txBox="1"/>
+            <p:nvPr/>
+          </p:nvSpPr>
+          <p:spPr>
+            <a:xfrm>
+              <a:off x="5508104" y="1649283"/>
+              <a:ext cx="2376264" cy="307777"/>
+            </a:xfrm>
+            <a:prstGeom prst="rect">
+              <a:avLst/>
+            </a:prstGeom>
+            <a:noFill/>
+          </p:spPr>
+          <p:txBody>
+            <a:bodyPr wrap="square" rtlCol="0">
+              <a:spAutoFit/>
+            </a:bodyPr>
+            <a:lstStyle/>
+            <a:p>
+              <a:r>
+                <a:rPr lang="en-US" altLang="ko-KR" sz="1400" b="1" dirty="0" smtClean="0">
+                  <a:solidFill>
+                    <a:srgbClr val="0000FF"/>
+                  </a:solidFill>
+                  <a:latin typeface="맑은 고딕" panose="020B0503020000020004" pitchFamily="50" charset="-127"/>
+                  <a:ea typeface="맑은 고딕" panose="020B0503020000020004" pitchFamily="50" charset="-127"/>
+                </a:rPr>
+                <a:t>Header</a:t>
+              </a:r>
+              <a:r>
+                <a:rPr lang="en-US" altLang="ko-KR" sz="1400" dirty="0" smtClean="0">
+                  <a:solidFill>
+                    <a:srgbClr val="0000FF"/>
+                  </a:solidFill>
+                  <a:latin typeface="맑은 고딕" panose="020B0503020000020004" pitchFamily="50" charset="-127"/>
+                  <a:ea typeface="맑은 고딕" panose="020B0503020000020004" pitchFamily="50" charset="-127"/>
+                </a:rPr>
+                <a:t> : </a:t>
+              </a:r>
+              <a:r>
+                <a:rPr lang="ko-KR" altLang="en-US" sz="1400" dirty="0" smtClean="0">
+                  <a:solidFill>
+                    <a:srgbClr val="0000FF"/>
+                  </a:solidFill>
+                  <a:latin typeface="맑은 고딕" panose="020B0503020000020004" pitchFamily="50" charset="-127"/>
+                  <a:ea typeface="맑은 고딕" panose="020B0503020000020004" pitchFamily="50" charset="-127"/>
+                </a:rPr>
+                <a:t>날짜표시</a:t>
+              </a:r>
+              <a:endParaRPr lang="ko-KR" altLang="en-US" sz="1400" dirty="0">
+                <a:solidFill>
+                  <a:srgbClr val="0000FF"/>
+                </a:solidFill>
+                <a:latin typeface="맑은 고딕" panose="020B0503020000020004" pitchFamily="50" charset="-127"/>
+                <a:ea typeface="맑은 고딕" panose="020B0503020000020004" pitchFamily="50" charset="-127"/>
+              </a:endParaRPr>
+            </a:p>
+          </p:txBody>
+        </p:sp>
+        <p:sp>
+          <p:nvSpPr>
+            <p:cNvPr id="7" name="모서리가 둥근 직사각형 6"/>
+            <p:cNvSpPr/>
+            <p:nvPr/>
+          </p:nvSpPr>
+          <p:spPr>
+            <a:xfrm>
+              <a:off x="668710" y="2530614"/>
+              <a:ext cx="4606798" cy="1029862"/>
+            </a:xfrm>
+            <a:prstGeom prst="roundRect">
+              <a:avLst/>
+            </a:prstGeom>
+            <a:noFill/>
+          </p:spPr>
+          <p:style>
+            <a:lnRef idx="2">
+              <a:schemeClr val="accent1">
+                <a:shade val="50000"/>
+              </a:schemeClr>
+            </a:lnRef>
+            <a:fillRef idx="1">
+              <a:schemeClr val="accent1"/>
+            </a:fillRef>
+            <a:effectRef idx="0">
+              <a:schemeClr val="accent1"/>
+            </a:effectRef>
+            <a:fontRef idx="minor">
+              <a:schemeClr val="lt1"/>
+            </a:fontRef>
+          </p:style>
+          <p:txBody>
+            <a:bodyPr rtlCol="0" anchor="ctr"/>
+            <a:lstStyle/>
+            <a:p>
+              <a:pPr algn="ctr"/>
+              <a:endParaRPr lang="ko-KR" altLang="en-US"/>
+            </a:p>
+          </p:txBody>
+        </p:sp>
+        <p:sp>
+          <p:nvSpPr>
+            <p:cNvPr id="8" name="모서리가 둥근 직사각형 7"/>
+            <p:cNvSpPr/>
+            <p:nvPr/>
+          </p:nvSpPr>
+          <p:spPr>
+            <a:xfrm>
+              <a:off x="680140" y="3721569"/>
+              <a:ext cx="4606798" cy="2823621"/>
+            </a:xfrm>
+            <a:prstGeom prst="roundRect">
+              <a:avLst>
+                <a:gd name="adj" fmla="val 6142"/>
+              </a:avLst>
+            </a:prstGeom>
+            <a:noFill/>
+          </p:spPr>
+          <p:style>
+            <a:lnRef idx="2">
+              <a:schemeClr val="accent1">
+                <a:shade val="50000"/>
+              </a:schemeClr>
+            </a:lnRef>
+            <a:fillRef idx="1">
+              <a:schemeClr val="accent1"/>
+            </a:fillRef>
+            <a:effectRef idx="0">
+              <a:schemeClr val="accent1"/>
+            </a:effectRef>
+            <a:fontRef idx="minor">
+              <a:schemeClr val="lt1"/>
+            </a:fontRef>
+          </p:style>
+          <p:txBody>
+            <a:bodyPr rtlCol="0" anchor="ctr"/>
+            <a:lstStyle/>
+            <a:p>
+              <a:pPr algn="ctr"/>
+              <a:endParaRPr lang="ko-KR" altLang="en-US"/>
+            </a:p>
+          </p:txBody>
+        </p:sp>
+        <p:sp>
+          <p:nvSpPr>
+            <p:cNvPr id="9" name="모서리가 둥근 직사각형 8"/>
+            <p:cNvSpPr/>
+            <p:nvPr/>
+          </p:nvSpPr>
+          <p:spPr>
+            <a:xfrm>
+              <a:off x="821110" y="4544520"/>
+              <a:ext cx="4326954" cy="540664"/>
+            </a:xfrm>
+            <a:prstGeom prst="roundRect">
+              <a:avLst/>
+            </a:prstGeom>
+            <a:noFill/>
+          </p:spPr>
+          <p:style>
+            <a:lnRef idx="2">
+              <a:schemeClr val="accent1">
+                <a:shade val="50000"/>
+              </a:schemeClr>
+            </a:lnRef>
+            <a:fillRef idx="1">
+              <a:schemeClr val="accent1"/>
+            </a:fillRef>
+            <a:effectRef idx="0">
+              <a:schemeClr val="accent1"/>
+            </a:effectRef>
+            <a:fontRef idx="minor">
+              <a:schemeClr val="lt1"/>
+            </a:fontRef>
+          </p:style>
+          <p:txBody>
+            <a:bodyPr rtlCol="0" anchor="ctr"/>
+            <a:lstStyle/>
+            <a:p>
+              <a:pPr algn="ctr"/>
+              <a:endParaRPr lang="ko-KR" altLang="en-US"/>
+            </a:p>
+          </p:txBody>
+        </p:sp>
+        <p:sp>
+          <p:nvSpPr>
+            <p:cNvPr id="10" name="TextBox 9"/>
+            <p:cNvSpPr txBox="1"/>
+            <p:nvPr/>
+          </p:nvSpPr>
+          <p:spPr>
+            <a:xfrm>
+              <a:off x="5508104" y="2771636"/>
+              <a:ext cx="2952328" cy="307777"/>
+            </a:xfrm>
+            <a:prstGeom prst="rect">
+              <a:avLst/>
+            </a:prstGeom>
+            <a:noFill/>
+          </p:spPr>
+          <p:txBody>
+            <a:bodyPr wrap="square" rtlCol="0">
+              <a:spAutoFit/>
+            </a:bodyPr>
+            <a:lstStyle/>
+            <a:p>
+              <a:r>
+                <a:rPr lang="en-US" altLang="ko-KR" sz="1400" b="1" dirty="0" err="1" smtClean="0">
+                  <a:solidFill>
+                    <a:srgbClr val="0000FF"/>
+                  </a:solidFill>
+                  <a:latin typeface="맑은 고딕" panose="020B0503020000020004" pitchFamily="50" charset="-127"/>
+                  <a:ea typeface="맑은 고딕" panose="020B0503020000020004" pitchFamily="50" charset="-127"/>
+                </a:rPr>
+                <a:t>TodoEditor</a:t>
+              </a:r>
+              <a:r>
+                <a:rPr lang="en-US" altLang="ko-KR" sz="1400" b="1" dirty="0" smtClean="0">
+                  <a:solidFill>
+                    <a:srgbClr val="0000FF"/>
+                  </a:solidFill>
+                  <a:latin typeface="맑은 고딕" panose="020B0503020000020004" pitchFamily="50" charset="-127"/>
+                  <a:ea typeface="맑은 고딕" panose="020B0503020000020004" pitchFamily="50" charset="-127"/>
+                </a:rPr>
+                <a:t> </a:t>
+              </a:r>
+              <a:r>
+                <a:rPr lang="en-US" altLang="ko-KR" sz="1400" dirty="0" smtClean="0">
+                  <a:solidFill>
+                    <a:srgbClr val="0000FF"/>
+                  </a:solidFill>
+                  <a:latin typeface="맑은 고딕" panose="020B0503020000020004" pitchFamily="50" charset="-127"/>
+                  <a:ea typeface="맑은 고딕" panose="020B0503020000020004" pitchFamily="50" charset="-127"/>
+                </a:rPr>
+                <a:t>: </a:t>
+              </a:r>
+              <a:r>
+                <a:rPr lang="ko-KR" altLang="en-US" sz="1400" dirty="0" smtClean="0">
+                  <a:solidFill>
+                    <a:srgbClr val="0000FF"/>
+                  </a:solidFill>
+                  <a:latin typeface="맑은 고딕" panose="020B0503020000020004" pitchFamily="50" charset="-127"/>
+                  <a:ea typeface="맑은 고딕" panose="020B0503020000020004" pitchFamily="50" charset="-127"/>
+                </a:rPr>
+                <a:t>새로운 아이템 </a:t>
+              </a:r>
+              <a:r>
+                <a:rPr lang="ko-KR" altLang="en-US" sz="1400" b="1" dirty="0" smtClean="0">
+                  <a:solidFill>
+                    <a:srgbClr val="C00000"/>
+                  </a:solidFill>
+                  <a:latin typeface="맑은 고딕" panose="020B0503020000020004" pitchFamily="50" charset="-127"/>
+                  <a:ea typeface="맑은 고딕" panose="020B0503020000020004" pitchFamily="50" charset="-127"/>
+                </a:rPr>
+                <a:t>등록</a:t>
+              </a:r>
+              <a:endParaRPr lang="ko-KR" altLang="en-US" sz="1400" b="1" dirty="0">
+                <a:solidFill>
+                  <a:srgbClr val="C00000"/>
+                </a:solidFill>
+                <a:latin typeface="맑은 고딕" panose="020B0503020000020004" pitchFamily="50" charset="-127"/>
+                <a:ea typeface="맑은 고딕" panose="020B0503020000020004" pitchFamily="50" charset="-127"/>
+              </a:endParaRPr>
+            </a:p>
+          </p:txBody>
+        </p:sp>
+        <p:sp>
+          <p:nvSpPr>
+            <p:cNvPr id="11" name="TextBox 10"/>
+            <p:cNvSpPr txBox="1"/>
+            <p:nvPr/>
+          </p:nvSpPr>
+          <p:spPr>
+            <a:xfrm>
+              <a:off x="5504676" y="3841884"/>
+              <a:ext cx="3387804" cy="738664"/>
+            </a:xfrm>
+            <a:prstGeom prst="rect">
+              <a:avLst/>
+            </a:prstGeom>
+            <a:noFill/>
+          </p:spPr>
+          <p:txBody>
+            <a:bodyPr wrap="square" rtlCol="0">
+              <a:spAutoFit/>
+            </a:bodyPr>
+            <a:lstStyle/>
+            <a:p>
+              <a:r>
+                <a:rPr lang="en-US" altLang="ko-KR" sz="1400" b="1" dirty="0" err="1" smtClean="0">
+                  <a:solidFill>
+                    <a:srgbClr val="0000FF"/>
+                  </a:solidFill>
+                  <a:latin typeface="맑은 고딕" panose="020B0503020000020004" pitchFamily="50" charset="-127"/>
+                  <a:ea typeface="맑은 고딕" panose="020B0503020000020004" pitchFamily="50" charset="-127"/>
+                </a:rPr>
+                <a:t>TodoList</a:t>
+              </a:r>
+              <a:r>
+                <a:rPr lang="en-US" altLang="ko-KR" sz="1400" b="1" dirty="0" smtClean="0">
+                  <a:solidFill>
+                    <a:srgbClr val="0000FF"/>
+                  </a:solidFill>
+                  <a:latin typeface="맑은 고딕" panose="020B0503020000020004" pitchFamily="50" charset="-127"/>
+                  <a:ea typeface="맑은 고딕" panose="020B0503020000020004" pitchFamily="50" charset="-127"/>
+                </a:rPr>
+                <a:t> </a:t>
+              </a:r>
+              <a:r>
+                <a:rPr lang="en-US" altLang="ko-KR" sz="1400" dirty="0" smtClean="0">
+                  <a:solidFill>
+                    <a:srgbClr val="0000FF"/>
+                  </a:solidFill>
+                  <a:latin typeface="맑은 고딕" panose="020B0503020000020004" pitchFamily="50" charset="-127"/>
+                  <a:ea typeface="맑은 고딕" panose="020B0503020000020004" pitchFamily="50" charset="-127"/>
+                </a:rPr>
+                <a:t>: </a:t>
+              </a:r>
+              <a:br>
+                <a:rPr lang="en-US" altLang="ko-KR" sz="1400" dirty="0" smtClean="0">
+                  <a:solidFill>
+                    <a:srgbClr val="0000FF"/>
+                  </a:solidFill>
+                  <a:latin typeface="맑은 고딕" panose="020B0503020000020004" pitchFamily="50" charset="-127"/>
+                  <a:ea typeface="맑은 고딕" panose="020B0503020000020004" pitchFamily="50" charset="-127"/>
+                </a:rPr>
+              </a:br>
+              <a:r>
+                <a:rPr lang="ko-KR" altLang="en-US" sz="1400" dirty="0" err="1" smtClean="0">
+                  <a:solidFill>
+                    <a:srgbClr val="0000FF"/>
+                  </a:solidFill>
+                  <a:latin typeface="맑은 고딕" panose="020B0503020000020004" pitchFamily="50" charset="-127"/>
+                  <a:ea typeface="맑은 고딕" panose="020B0503020000020004" pitchFamily="50" charset="-127"/>
+                </a:rPr>
+                <a:t>검색어에</a:t>
+              </a:r>
+              <a:r>
+                <a:rPr lang="ko-KR" altLang="en-US" sz="1400" dirty="0" smtClean="0">
+                  <a:solidFill>
+                    <a:srgbClr val="0000FF"/>
+                  </a:solidFill>
+                  <a:latin typeface="맑은 고딕" panose="020B0503020000020004" pitchFamily="50" charset="-127"/>
+                  <a:ea typeface="맑은 고딕" panose="020B0503020000020004" pitchFamily="50" charset="-127"/>
+                </a:rPr>
+                <a:t> 맞게 </a:t>
+              </a:r>
+              <a:r>
+                <a:rPr lang="ko-KR" altLang="en-US" sz="1400" dirty="0" err="1" smtClean="0">
+                  <a:solidFill>
+                    <a:srgbClr val="0000FF"/>
+                  </a:solidFill>
+                  <a:latin typeface="맑은 고딕" panose="020B0503020000020004" pitchFamily="50" charset="-127"/>
+                  <a:ea typeface="맑은 고딕" panose="020B0503020000020004" pitchFamily="50" charset="-127"/>
+                </a:rPr>
+                <a:t>필터링된</a:t>
+              </a:r>
+              <a:r>
+                <a:rPr lang="ko-KR" altLang="en-US" sz="1400" dirty="0" smtClean="0">
+                  <a:solidFill>
+                    <a:srgbClr val="0000FF"/>
+                  </a:solidFill>
+                  <a:latin typeface="맑은 고딕" panose="020B0503020000020004" pitchFamily="50" charset="-127"/>
+                  <a:ea typeface="맑은 고딕" panose="020B0503020000020004" pitchFamily="50" charset="-127"/>
+                </a:rPr>
+                <a:t> </a:t>
+              </a:r>
+              <a:r>
+                <a:rPr lang="ko-KR" altLang="en-US" sz="1400" dirty="0" smtClean="0">
+                  <a:solidFill>
+                    <a:srgbClr val="0000FF"/>
+                  </a:solidFill>
+                  <a:latin typeface="맑은 고딕" panose="020B0503020000020004" pitchFamily="50" charset="-127"/>
+                  <a:ea typeface="맑은 고딕" panose="020B0503020000020004" pitchFamily="50" charset="-127"/>
+                </a:rPr>
+                <a:t>아이템 </a:t>
+              </a:r>
+              <a:r>
+                <a:rPr lang="ko-KR" altLang="en-US" sz="1400" b="1" dirty="0" smtClean="0">
+                  <a:solidFill>
+                    <a:srgbClr val="C00000"/>
+                  </a:solidFill>
+                  <a:latin typeface="맑은 고딕" panose="020B0503020000020004" pitchFamily="50" charset="-127"/>
+                  <a:ea typeface="맑은 고딕" panose="020B0503020000020004" pitchFamily="50" charset="-127"/>
+                </a:rPr>
+                <a:t>리스트</a:t>
+              </a:r>
+              <a:r>
+                <a:rPr lang="ko-KR" altLang="en-US" sz="1400" dirty="0" smtClean="0">
+                  <a:solidFill>
+                    <a:srgbClr val="0000FF"/>
+                  </a:solidFill>
+                  <a:latin typeface="맑은 고딕" panose="020B0503020000020004" pitchFamily="50" charset="-127"/>
+                  <a:ea typeface="맑은 고딕" panose="020B0503020000020004" pitchFamily="50" charset="-127"/>
+                </a:rPr>
+                <a:t> </a:t>
+              </a:r>
+              <a:r>
+                <a:rPr lang="ko-KR" altLang="en-US" sz="1400" dirty="0" err="1" smtClean="0">
+                  <a:solidFill>
+                    <a:srgbClr val="0000FF"/>
+                  </a:solidFill>
+                  <a:latin typeface="맑은 고딕" panose="020B0503020000020004" pitchFamily="50" charset="-127"/>
+                  <a:ea typeface="맑은 고딕" panose="020B0503020000020004" pitchFamily="50" charset="-127"/>
+                </a:rPr>
+                <a:t>랜더링</a:t>
+              </a:r>
+              <a:endParaRPr lang="ko-KR" altLang="en-US" sz="1400" dirty="0">
+                <a:solidFill>
+                  <a:srgbClr val="0000FF"/>
+                </a:solidFill>
+                <a:latin typeface="맑은 고딕" panose="020B0503020000020004" pitchFamily="50" charset="-127"/>
+                <a:ea typeface="맑은 고딕" panose="020B0503020000020004" pitchFamily="50" charset="-127"/>
+              </a:endParaRPr>
+            </a:p>
+          </p:txBody>
+        </p:sp>
+        <p:sp>
+          <p:nvSpPr>
+            <p:cNvPr id="12" name="TextBox 11"/>
+            <p:cNvSpPr txBox="1"/>
+            <p:nvPr/>
+          </p:nvSpPr>
+          <p:spPr>
+            <a:xfrm>
+              <a:off x="5508104" y="4660641"/>
+              <a:ext cx="2808312" cy="523220"/>
+            </a:xfrm>
+            <a:prstGeom prst="rect">
+              <a:avLst/>
+            </a:prstGeom>
+            <a:noFill/>
+          </p:spPr>
+          <p:txBody>
+            <a:bodyPr wrap="square" rtlCol="0">
+              <a:spAutoFit/>
+            </a:bodyPr>
+            <a:lstStyle/>
+            <a:p>
+              <a:r>
+                <a:rPr lang="en-US" altLang="ko-KR" sz="1400" b="1" dirty="0" err="1" smtClean="0">
+                  <a:solidFill>
+                    <a:srgbClr val="0000FF"/>
+                  </a:solidFill>
+                  <a:latin typeface="맑은 고딕" panose="020B0503020000020004" pitchFamily="50" charset="-127"/>
+                  <a:ea typeface="맑은 고딕" panose="020B0503020000020004" pitchFamily="50" charset="-127"/>
+                </a:rPr>
+                <a:t>TodoItem</a:t>
+              </a:r>
+              <a:r>
+                <a:rPr lang="en-US" altLang="ko-KR" sz="1400" b="1" dirty="0" smtClean="0">
+                  <a:solidFill>
+                    <a:srgbClr val="0000FF"/>
+                  </a:solidFill>
+                  <a:latin typeface="맑은 고딕" panose="020B0503020000020004" pitchFamily="50" charset="-127"/>
+                  <a:ea typeface="맑은 고딕" panose="020B0503020000020004" pitchFamily="50" charset="-127"/>
+                </a:rPr>
+                <a:t/>
+              </a:r>
+              <a:br>
+                <a:rPr lang="en-US" altLang="ko-KR" sz="1400" b="1" dirty="0" smtClean="0">
+                  <a:solidFill>
+                    <a:srgbClr val="0000FF"/>
+                  </a:solidFill>
+                  <a:latin typeface="맑은 고딕" panose="020B0503020000020004" pitchFamily="50" charset="-127"/>
+                  <a:ea typeface="맑은 고딕" panose="020B0503020000020004" pitchFamily="50" charset="-127"/>
+                </a:rPr>
+              </a:br>
+              <a:r>
+                <a:rPr lang="ko-KR" altLang="en-US" sz="1400" dirty="0" smtClean="0">
+                  <a:solidFill>
+                    <a:srgbClr val="0000FF"/>
+                  </a:solidFill>
+                  <a:latin typeface="맑은 고딕" panose="020B0503020000020004" pitchFamily="50" charset="-127"/>
+                  <a:ea typeface="맑은 고딕" panose="020B0503020000020004" pitchFamily="50" charset="-127"/>
+                </a:rPr>
+                <a:t>할일 아이템의 </a:t>
+              </a:r>
+              <a:r>
+                <a:rPr lang="ko-KR" altLang="en-US" sz="1400" b="1" dirty="0" smtClean="0">
+                  <a:solidFill>
+                    <a:srgbClr val="C00000"/>
+                  </a:solidFill>
+                  <a:latin typeface="맑은 고딕" panose="020B0503020000020004" pitchFamily="50" charset="-127"/>
+                  <a:ea typeface="맑은 고딕" panose="020B0503020000020004" pitchFamily="50" charset="-127"/>
+                </a:rPr>
+                <a:t>수정 및 삭제</a:t>
+              </a:r>
+              <a:endParaRPr lang="ko-KR" altLang="en-US" sz="1400" b="1" dirty="0">
+                <a:solidFill>
+                  <a:srgbClr val="C00000"/>
+                </a:solidFill>
+                <a:latin typeface="맑은 고딕" panose="020B0503020000020004" pitchFamily="50" charset="-127"/>
+                <a:ea typeface="맑은 고딕" panose="020B0503020000020004" pitchFamily="50" charset="-127"/>
+              </a:endParaRPr>
+            </a:p>
+          </p:txBody>
+        </p:sp>
+        <p:sp>
+          <p:nvSpPr>
+            <p:cNvPr id="13" name="TextBox 12"/>
+            <p:cNvSpPr txBox="1"/>
+            <p:nvPr/>
+          </p:nvSpPr>
+          <p:spPr>
+            <a:xfrm>
+              <a:off x="5148064" y="755412"/>
+              <a:ext cx="1512168" cy="369332"/>
+            </a:xfrm>
+            <a:prstGeom prst="rect">
+              <a:avLst/>
+            </a:prstGeom>
+            <a:noFill/>
+          </p:spPr>
+          <p:txBody>
+            <a:bodyPr wrap="square" rtlCol="0">
+              <a:spAutoFit/>
+            </a:bodyPr>
+            <a:lstStyle/>
+            <a:p>
+              <a:r>
+                <a:rPr lang="en-US" altLang="ko-KR" dirty="0" smtClean="0">
+                  <a:solidFill>
+                    <a:srgbClr val="0000FF"/>
+                  </a:solidFill>
+                  <a:latin typeface="맑은 고딕" panose="020B0503020000020004" pitchFamily="50" charset="-127"/>
+                  <a:ea typeface="맑은 고딕" panose="020B0503020000020004" pitchFamily="50" charset="-127"/>
+                </a:rPr>
+                <a:t>App</a:t>
+              </a:r>
+              <a:endParaRPr lang="ko-KR" altLang="en-US" dirty="0">
+                <a:solidFill>
+                  <a:srgbClr val="0000FF"/>
+                </a:solidFill>
+                <a:latin typeface="맑은 고딕" panose="020B0503020000020004" pitchFamily="50" charset="-127"/>
+                <a:ea typeface="맑은 고딕" panose="020B0503020000020004" pitchFamily="50" charset="-127"/>
+              </a:endParaRPr>
+            </a:p>
+          </p:txBody>
+        </p:sp>
+        <p:sp>
+          <p:nvSpPr>
+            <p:cNvPr id="14" name="모서리가 둥근 직사각형 13"/>
+            <p:cNvSpPr/>
+            <p:nvPr/>
+          </p:nvSpPr>
+          <p:spPr>
+            <a:xfrm>
+              <a:off x="521266" y="1159034"/>
+              <a:ext cx="4961696" cy="5544616"/>
+            </a:xfrm>
+            <a:prstGeom prst="roundRect">
+              <a:avLst>
+                <a:gd name="adj" fmla="val 6142"/>
+              </a:avLst>
+            </a:prstGeom>
+            <a:noFill/>
+          </p:spPr>
+          <p:style>
+            <a:lnRef idx="2">
+              <a:schemeClr val="accent1">
+                <a:shade val="50000"/>
+              </a:schemeClr>
+            </a:lnRef>
+            <a:fillRef idx="1">
+              <a:schemeClr val="accent1"/>
+            </a:fillRef>
+            <a:effectRef idx="0">
+              <a:schemeClr val="accent1"/>
+            </a:effectRef>
+            <a:fontRef idx="minor">
+              <a:schemeClr val="lt1"/>
+            </a:fontRef>
+          </p:style>
+          <p:txBody>
+            <a:bodyPr rtlCol="0" anchor="ctr"/>
+            <a:lstStyle/>
+            <a:p>
+              <a:pPr algn="ctr"/>
+              <a:endParaRPr lang="ko-KR" altLang="en-US"/>
+            </a:p>
+          </p:txBody>
+        </p:sp>
+      </p:grpSp>
+    </p:spTree>
+    <p:extLst>
+      <p:ext uri="{BB962C8B-B14F-4D97-AF65-F5344CB8AC3E}">
+        <p14:creationId xmlns:p14="http://schemas.microsoft.com/office/powerpoint/2010/main" val="2265325575"/>
+      </p:ext>
+    </p:extLst>
+  </p:cSld>
+  <p:clrMapOvr>
+    <a:masterClrMapping/>
+  </p:clrMapOvr>
+</p:sld>
+</file>
+
 <file path=ppt/slides/slide2.xml><?xml version="1.0" encoding="utf-8"?>
 <p:sld xmlns:a="http://schemas.openxmlformats.org/drawingml/2006/main" xmlns:r="http://schemas.openxmlformats.org/officeDocument/2006/relationships" xmlns:p="http://schemas.openxmlformats.org/presentationml/2006/main">
   <p:cSld>
@@ -24724,40 +27007,6 @@
               <a:t>. </a:t>
             </a:r>
             <a:r>
-              <a:rPr kumimoji="1" lang="ko-KR" altLang="en-US" sz="1200" b="0" i="0" u="none" strike="noStrike" kern="1200" cap="none" spc="0" normalizeH="0" baseline="0" noProof="0" dirty="0" err="1">
-                <a:ln>
-                  <a:noFill/>
-                </a:ln>
-                <a:solidFill>
-                  <a:prstClr val="black"/>
-                </a:solidFill>
-                <a:effectLst/>
-                <a:uLnTx/>
-                <a:uFillTx/>
-                <a:latin typeface="맑은 고딕" panose="020B0503020000020004" pitchFamily="50" charset="-127"/>
-                <a:ea typeface="맑은 고딕" panose="020B0503020000020004" pitchFamily="50" charset="-127"/>
-                <a:cs typeface="+mn-cs"/>
-              </a:rPr>
-              <a:t>클래스형</a:t>
-            </a:r>
-            <a:r>
-              <a:rPr kumimoji="1" lang="ko-KR" altLang="en-US" sz="1200" b="0" i="0" u="none" strike="noStrike" kern="1200" cap="none" spc="0" normalizeH="0" baseline="0" noProof="0" dirty="0">
-                <a:ln>
-                  <a:noFill/>
-                </a:ln>
-                <a:solidFill>
-                  <a:prstClr val="black"/>
-                </a:solidFill>
-                <a:effectLst/>
-                <a:uLnTx/>
-                <a:uFillTx/>
-                <a:latin typeface="맑은 고딕" panose="020B0503020000020004" pitchFamily="50" charset="-127"/>
-                <a:ea typeface="맑은 고딕" panose="020B0503020000020004" pitchFamily="50" charset="-127"/>
-                <a:cs typeface="+mn-cs"/>
-              </a:rPr>
-              <a:t> </a:t>
-            </a:r>
-            <a:r>
               <a:rPr kumimoji="1" lang="ko-KR" altLang="en-US" sz="1200" b="0" i="0" u="none" strike="noStrike" kern="1200" cap="none" spc="0" normalizeH="0" baseline="0" noProof="0" dirty="0" smtClean="0">
                 <a:ln>
                   <a:noFill/>
@@ -24772,7 +27021,7 @@
                 <a:ea typeface="맑은 고딕" panose="020B0503020000020004" pitchFamily="50" charset="-127"/>
                 <a:cs typeface="+mn-cs"/>
               </a:rPr>
-              <a:t>컴포넌트 </a:t>
+              <a:t>클래스 컴포넌트 </a:t>
             </a:r>
             <a:r>
               <a:rPr kumimoji="1" lang="en-US" altLang="ko-KR" sz="1200" b="0" i="0" u="none" strike="noStrike" kern="1200" cap="none" spc="0" normalizeH="0" baseline="0" noProof="0" dirty="0" smtClean="0">
@@ -25111,7 +27360,7 @@
               <a:t>. </a:t>
             </a:r>
             <a:r>
-              <a:rPr kumimoji="1" lang="ko-KR" altLang="en-US" sz="1200" b="1" i="0" u="none" strike="noStrike" kern="1200" cap="none" spc="0" normalizeH="0" baseline="0" noProof="0" dirty="0">
+              <a:rPr kumimoji="1" lang="ko-KR" altLang="en-US" sz="1200" b="1" i="0" u="none" strike="noStrike" kern="1200" cap="none" spc="0" normalizeH="0" baseline="0" noProof="0" dirty="0" smtClean="0">
                 <a:ln>
                   <a:noFill/>
                 </a:ln>
@@ -25125,24 +27374,7 @@
                 <a:ea typeface="맑은 고딕" panose="020B0503020000020004" pitchFamily="50" charset="-127"/>
                 <a:cs typeface="+mn-cs"/>
               </a:rPr>
-              <a:t>함수형 </a:t>
-            </a:r>
-            <a:r>
-              <a:rPr kumimoji="1" lang="ko-KR" altLang="en-US" sz="1200" b="1" i="0" u="none" strike="noStrike" kern="1200" cap="none" spc="0" normalizeH="0" baseline="0" noProof="0" dirty="0" smtClean="0">
-                <a:ln>
-                  <a:noFill/>
-                </a:ln>
-                <a:solidFill>
-                  <a:srgbClr val="0000FF"/>
-                </a:solidFill>
-                <a:effectLst/>
-                <a:uLnTx/>
-                <a:uFillTx/>
-                <a:latin typeface="맑은 고딕" panose="020B0503020000020004" pitchFamily="50" charset="-127"/>
-                <a:ea typeface="맑은 고딕" panose="020B0503020000020004" pitchFamily="50" charset="-127"/>
-                <a:cs typeface="+mn-cs"/>
-              </a:rPr>
-              <a:t>컴포넌트</a:t>
+              <a:t>함수 컴포넌트</a:t>
             </a:r>
             <a:r>
               <a:rPr kumimoji="1" lang="en-US" altLang="ko-KR" sz="1200" b="0" i="0" u="none" strike="noStrike" kern="1200" cap="none" spc="0" normalizeH="0" baseline="0" noProof="0" dirty="0" smtClean="0">
